--- a/out/production/ECONOMY-DATA-VISUALIZATION-PROJECT/Presentation/Economy_Data_Visualizaton_Presentation.pptx
+++ b/out/production/ECONOMY-DATA-VISUALIZATION-PROJECT/Presentation/Economy_Data_Visualizaton_Presentation.pptx
@@ -7,12 +7,13 @@
   <p:sldIdLst>
     <p:sldId id="256" r:id="rId2"/>
     <p:sldId id="257" r:id="rId3"/>
-    <p:sldId id="258" r:id="rId4"/>
-    <p:sldId id="260" r:id="rId5"/>
-    <p:sldId id="261" r:id="rId6"/>
-    <p:sldId id="263" r:id="rId7"/>
-    <p:sldId id="262" r:id="rId8"/>
-    <p:sldId id="264" r:id="rId9"/>
+    <p:sldId id="263" r:id="rId4"/>
+    <p:sldId id="270" r:id="rId5"/>
+    <p:sldId id="265" r:id="rId6"/>
+    <p:sldId id="266" r:id="rId7"/>
+    <p:sldId id="267" r:id="rId8"/>
+    <p:sldId id="268" r:id="rId9"/>
+    <p:sldId id="269" r:id="rId10"/>
   </p:sldIdLst>
   <p:sldSz cx="12192000" cy="6858000"/>
   <p:notesSz cx="6858000" cy="9144000"/>
@@ -122,13 +123,234 @@
 <file path=ppt/revisionInfo.xml><?xml version="1.0" encoding="utf-8"?>
 <p1510:revInfo xmlns:a="http://schemas.openxmlformats.org/drawingml/2006/main" xmlns:r="http://schemas.openxmlformats.org/officeDocument/2006/relationships" xmlns:p1510="http://schemas.microsoft.com/office/powerpoint/2015/10/main">
   <p1510:revLst>
-    <p1510:client id="{0B48BC36-499A-4975-8AD0-F5039A225AA0}" v="2" dt="2022-11-10T09:40:48.873"/>
+    <p1510:client id="{C971D6B2-C237-45B8-8C13-0DF1AEEA1CCF}" v="15" dt="2022-11-23T18:58:58.518"/>
   </p1510:revLst>
 </p1510:revInfo>
 </file>
 
 <file path=ppt/changesInfos/changesInfo1.xml><?xml version="1.0" encoding="utf-8"?>
 <pc:chgInfo xmlns:a="http://schemas.openxmlformats.org/drawingml/2006/main" xmlns:r="http://schemas.openxmlformats.org/officeDocument/2006/relationships" xmlns:ac="http://schemas.microsoft.com/office/drawing/2013/main/command" xmlns:pc="http://schemas.microsoft.com/office/powerpoint/2013/main/command">
+  <pc:docChgLst>
+    <pc:chgData name="Rathod Harshan" userId="35140d2fe3341ec0" providerId="LiveId" clId="{C971D6B2-C237-45B8-8C13-0DF1AEEA1CCF}"/>
+    <pc:docChg chg="undo custSel addSld delSld modSld sldOrd">
+      <pc:chgData name="Rathod Harshan" userId="35140d2fe3341ec0" providerId="LiveId" clId="{C971D6B2-C237-45B8-8C13-0DF1AEEA1CCF}" dt="2022-11-23T18:59:46.091" v="3690" actId="1076"/>
+      <pc:docMkLst>
+        <pc:docMk/>
+      </pc:docMkLst>
+      <pc:sldChg chg="del">
+        <pc:chgData name="Rathod Harshan" userId="35140d2fe3341ec0" providerId="LiveId" clId="{C971D6B2-C237-45B8-8C13-0DF1AEEA1CCF}" dt="2022-11-23T17:32:50.664" v="3" actId="47"/>
+        <pc:sldMkLst>
+          <pc:docMk/>
+          <pc:sldMk cId="1736433821" sldId="258"/>
+        </pc:sldMkLst>
+      </pc:sldChg>
+      <pc:sldChg chg="del">
+        <pc:chgData name="Rathod Harshan" userId="35140d2fe3341ec0" providerId="LiveId" clId="{C971D6B2-C237-45B8-8C13-0DF1AEEA1CCF}" dt="2022-11-23T17:32:53.096" v="4" actId="47"/>
+        <pc:sldMkLst>
+          <pc:docMk/>
+          <pc:sldMk cId="4121788743" sldId="260"/>
+        </pc:sldMkLst>
+      </pc:sldChg>
+      <pc:sldChg chg="del">
+        <pc:chgData name="Rathod Harshan" userId="35140d2fe3341ec0" providerId="LiveId" clId="{C971D6B2-C237-45B8-8C13-0DF1AEEA1CCF}" dt="2022-11-23T17:32:55.813" v="5" actId="47"/>
+        <pc:sldMkLst>
+          <pc:docMk/>
+          <pc:sldMk cId="1150484880" sldId="261"/>
+        </pc:sldMkLst>
+      </pc:sldChg>
+      <pc:sldChg chg="modSp del mod">
+        <pc:chgData name="Rathod Harshan" userId="35140d2fe3341ec0" providerId="LiveId" clId="{C971D6B2-C237-45B8-8C13-0DF1AEEA1CCF}" dt="2022-11-23T17:41:11.379" v="74" actId="47"/>
+        <pc:sldMkLst>
+          <pc:docMk/>
+          <pc:sldMk cId="2541206612" sldId="262"/>
+        </pc:sldMkLst>
+        <pc:spChg chg="mod">
+          <ac:chgData name="Rathod Harshan" userId="35140d2fe3341ec0" providerId="LiveId" clId="{C971D6B2-C237-45B8-8C13-0DF1AEEA1CCF}" dt="2022-11-23T17:33:22.088" v="18" actId="20577"/>
+          <ac:spMkLst>
+            <pc:docMk/>
+            <pc:sldMk cId="2541206612" sldId="262"/>
+            <ac:spMk id="3" creationId="{92AEBAD7-EC8B-8AFB-9C47-91D66E3ED5E6}"/>
+          </ac:spMkLst>
+        </pc:spChg>
+      </pc:sldChg>
+      <pc:sldChg chg="addSp delSp modSp mod ord">
+        <pc:chgData name="Rathod Harshan" userId="35140d2fe3341ec0" providerId="LiveId" clId="{C971D6B2-C237-45B8-8C13-0DF1AEEA1CCF}" dt="2022-11-23T17:43:15.418" v="81" actId="14100"/>
+        <pc:sldMkLst>
+          <pc:docMk/>
+          <pc:sldMk cId="1200283913" sldId="263"/>
+        </pc:sldMkLst>
+        <pc:spChg chg="add del mod">
+          <ac:chgData name="Rathod Harshan" userId="35140d2fe3341ec0" providerId="LiveId" clId="{C971D6B2-C237-45B8-8C13-0DF1AEEA1CCF}" dt="2022-11-23T17:42:44.426" v="76"/>
+          <ac:spMkLst>
+            <pc:docMk/>
+            <pc:sldMk cId="1200283913" sldId="263"/>
+            <ac:spMk id="4" creationId="{030EFE9A-FEF2-60FC-EE99-604719471618}"/>
+          </ac:spMkLst>
+        </pc:spChg>
+        <pc:picChg chg="add mod">
+          <ac:chgData name="Rathod Harshan" userId="35140d2fe3341ec0" providerId="LiveId" clId="{C971D6B2-C237-45B8-8C13-0DF1AEEA1CCF}" dt="2022-11-23T17:43:15.418" v="81" actId="14100"/>
+          <ac:picMkLst>
+            <pc:docMk/>
+            <pc:sldMk cId="1200283913" sldId="263"/>
+            <ac:picMk id="6" creationId="{7D1DDFF8-4647-FBA6-E93E-0F222DF09E27}"/>
+          </ac:picMkLst>
+        </pc:picChg>
+        <pc:picChg chg="del">
+          <ac:chgData name="Rathod Harshan" userId="35140d2fe3341ec0" providerId="LiveId" clId="{C971D6B2-C237-45B8-8C13-0DF1AEEA1CCF}" dt="2022-11-23T17:32:10.641" v="2" actId="478"/>
+          <ac:picMkLst>
+            <pc:docMk/>
+            <pc:sldMk cId="1200283913" sldId="263"/>
+            <ac:picMk id="7" creationId="{89AEB1C1-B34B-50A7-4D77-805E6E49D8C5}"/>
+          </ac:picMkLst>
+        </pc:picChg>
+      </pc:sldChg>
+      <pc:sldChg chg="del">
+        <pc:chgData name="Rathod Harshan" userId="35140d2fe3341ec0" providerId="LiveId" clId="{C971D6B2-C237-45B8-8C13-0DF1AEEA1CCF}" dt="2022-11-23T17:41:13.672" v="75" actId="47"/>
+        <pc:sldMkLst>
+          <pc:docMk/>
+          <pc:sldMk cId="2980721176" sldId="264"/>
+        </pc:sldMkLst>
+      </pc:sldChg>
+      <pc:sldChg chg="addSp delSp modSp new mod">
+        <pc:chgData name="Rathod Harshan" userId="35140d2fe3341ec0" providerId="LiveId" clId="{C971D6B2-C237-45B8-8C13-0DF1AEEA1CCF}" dt="2022-11-23T18:22:08.473" v="1686" actId="20577"/>
+        <pc:sldMkLst>
+          <pc:docMk/>
+          <pc:sldMk cId="1216777614" sldId="265"/>
+        </pc:sldMkLst>
+        <pc:spChg chg="add del mod">
+          <ac:chgData name="Rathod Harshan" userId="35140d2fe3341ec0" providerId="LiveId" clId="{C971D6B2-C237-45B8-8C13-0DF1AEEA1CCF}" dt="2022-11-23T17:35:18.832" v="29" actId="478"/>
+          <ac:spMkLst>
+            <pc:docMk/>
+            <pc:sldMk cId="1216777614" sldId="265"/>
+            <ac:spMk id="3" creationId="{99B09A03-F070-C5E7-EB40-65F9444BF3DF}"/>
+          </ac:spMkLst>
+        </pc:spChg>
+        <pc:spChg chg="add mod">
+          <ac:chgData name="Rathod Harshan" userId="35140d2fe3341ec0" providerId="LiveId" clId="{C971D6B2-C237-45B8-8C13-0DF1AEEA1CCF}" dt="2022-11-23T17:35:26.066" v="30" actId="1076"/>
+          <ac:spMkLst>
+            <pc:docMk/>
+            <pc:sldMk cId="1216777614" sldId="265"/>
+            <ac:spMk id="4" creationId="{BC13DC1E-3635-F6AA-4119-3F04CA09E2E8}"/>
+          </ac:spMkLst>
+        </pc:spChg>
+        <pc:spChg chg="add del mod">
+          <ac:chgData name="Rathod Harshan" userId="35140d2fe3341ec0" providerId="LiveId" clId="{C971D6B2-C237-45B8-8C13-0DF1AEEA1CCF}" dt="2022-11-23T17:36:18.236" v="36"/>
+          <ac:spMkLst>
+            <pc:docMk/>
+            <pc:sldMk cId="1216777614" sldId="265"/>
+            <ac:spMk id="5" creationId="{71E81514-3A73-73C5-76D1-7690F7337C5B}"/>
+          </ac:spMkLst>
+        </pc:spChg>
+        <pc:spChg chg="add mod">
+          <ac:chgData name="Rathod Harshan" userId="35140d2fe3341ec0" providerId="LiveId" clId="{C971D6B2-C237-45B8-8C13-0DF1AEEA1CCF}" dt="2022-11-23T18:22:08.473" v="1686" actId="20577"/>
+          <ac:spMkLst>
+            <pc:docMk/>
+            <pc:sldMk cId="1216777614" sldId="265"/>
+            <ac:spMk id="6" creationId="{86EDF0A7-B446-681D-F923-A58D787EB359}"/>
+          </ac:spMkLst>
+        </pc:spChg>
+      </pc:sldChg>
+      <pc:sldChg chg="addSp modSp new mod">
+        <pc:chgData name="Rathod Harshan" userId="35140d2fe3341ec0" providerId="LiveId" clId="{C971D6B2-C237-45B8-8C13-0DF1AEEA1CCF}" dt="2022-11-23T18:35:56.602" v="2209" actId="1076"/>
+        <pc:sldMkLst>
+          <pc:docMk/>
+          <pc:sldMk cId="3394874710" sldId="266"/>
+        </pc:sldMkLst>
+        <pc:spChg chg="add mod">
+          <ac:chgData name="Rathod Harshan" userId="35140d2fe3341ec0" providerId="LiveId" clId="{C971D6B2-C237-45B8-8C13-0DF1AEEA1CCF}" dt="2022-11-23T18:35:56.602" v="2209" actId="1076"/>
+          <ac:spMkLst>
+            <pc:docMk/>
+            <pc:sldMk cId="3394874710" sldId="266"/>
+            <ac:spMk id="2" creationId="{887175B6-8A82-E3BA-9AC5-651D75740FD8}"/>
+          </ac:spMkLst>
+        </pc:spChg>
+      </pc:sldChg>
+      <pc:sldChg chg="addSp modSp new mod">
+        <pc:chgData name="Rathod Harshan" userId="35140d2fe3341ec0" providerId="LiveId" clId="{C971D6B2-C237-45B8-8C13-0DF1AEEA1CCF}" dt="2022-11-23T18:33:53.759" v="2155" actId="2711"/>
+        <pc:sldMkLst>
+          <pc:docMk/>
+          <pc:sldMk cId="3380472625" sldId="267"/>
+        </pc:sldMkLst>
+        <pc:spChg chg="add mod">
+          <ac:chgData name="Rathod Harshan" userId="35140d2fe3341ec0" providerId="LiveId" clId="{C971D6B2-C237-45B8-8C13-0DF1AEEA1CCF}" dt="2022-11-23T18:33:53.759" v="2155" actId="2711"/>
+          <ac:spMkLst>
+            <pc:docMk/>
+            <pc:sldMk cId="3380472625" sldId="267"/>
+            <ac:spMk id="2" creationId="{FEC57A27-8C73-11DD-1204-9F861D6D896E}"/>
+          </ac:spMkLst>
+        </pc:spChg>
+      </pc:sldChg>
+      <pc:sldChg chg="addSp modSp new mod">
+        <pc:chgData name="Rathod Harshan" userId="35140d2fe3341ec0" providerId="LiveId" clId="{C971D6B2-C237-45B8-8C13-0DF1AEEA1CCF}" dt="2022-11-23T18:40:39.582" v="2212" actId="403"/>
+        <pc:sldMkLst>
+          <pc:docMk/>
+          <pc:sldMk cId="2086225366" sldId="268"/>
+        </pc:sldMkLst>
+        <pc:spChg chg="add mod">
+          <ac:chgData name="Rathod Harshan" userId="35140d2fe3341ec0" providerId="LiveId" clId="{C971D6B2-C237-45B8-8C13-0DF1AEEA1CCF}" dt="2022-11-23T18:40:39.582" v="2212" actId="403"/>
+          <ac:spMkLst>
+            <pc:docMk/>
+            <pc:sldMk cId="2086225366" sldId="268"/>
+            <ac:spMk id="2" creationId="{E27FAD3A-A811-3835-AD90-48F674FED3B5}"/>
+          </ac:spMkLst>
+        </pc:spChg>
+      </pc:sldChg>
+      <pc:sldChg chg="addSp modSp new add del mod">
+        <pc:chgData name="Rathod Harshan" userId="35140d2fe3341ec0" providerId="LiveId" clId="{C971D6B2-C237-45B8-8C13-0DF1AEEA1CCF}" dt="2022-11-23T18:56:05.477" v="3596" actId="20577"/>
+        <pc:sldMkLst>
+          <pc:docMk/>
+          <pc:sldMk cId="3152807864" sldId="269"/>
+        </pc:sldMkLst>
+        <pc:spChg chg="add mod">
+          <ac:chgData name="Rathod Harshan" userId="35140d2fe3341ec0" providerId="LiveId" clId="{C971D6B2-C237-45B8-8C13-0DF1AEEA1CCF}" dt="2022-11-23T18:56:05.477" v="3596" actId="20577"/>
+          <ac:spMkLst>
+            <pc:docMk/>
+            <pc:sldMk cId="3152807864" sldId="269"/>
+            <ac:spMk id="2" creationId="{E6D721AD-D9F7-C2E7-7C60-1F57096FED3F}"/>
+          </ac:spMkLst>
+        </pc:spChg>
+      </pc:sldChg>
+      <pc:sldChg chg="addSp delSp modSp new mod">
+        <pc:chgData name="Rathod Harshan" userId="35140d2fe3341ec0" providerId="LiveId" clId="{C971D6B2-C237-45B8-8C13-0DF1AEEA1CCF}" dt="2022-11-23T18:59:46.091" v="3690" actId="1076"/>
+        <pc:sldMkLst>
+          <pc:docMk/>
+          <pc:sldMk cId="3836897850" sldId="270"/>
+        </pc:sldMkLst>
+        <pc:spChg chg="add del mod">
+          <ac:chgData name="Rathod Harshan" userId="35140d2fe3341ec0" providerId="LiveId" clId="{C971D6B2-C237-45B8-8C13-0DF1AEEA1CCF}" dt="2022-11-23T18:58:46.364" v="3643"/>
+          <ac:spMkLst>
+            <pc:docMk/>
+            <pc:sldMk cId="3836897850" sldId="270"/>
+            <ac:spMk id="6" creationId="{864FC992-0EF0-CD67-272A-2A911DF787BE}"/>
+          </ac:spMkLst>
+        </pc:spChg>
+        <pc:spChg chg="add mod">
+          <ac:chgData name="Rathod Harshan" userId="35140d2fe3341ec0" providerId="LiveId" clId="{C971D6B2-C237-45B8-8C13-0DF1AEEA1CCF}" dt="2022-11-23T18:59:46.091" v="3690" actId="1076"/>
+          <ac:spMkLst>
+            <pc:docMk/>
+            <pc:sldMk cId="3836897850" sldId="270"/>
+            <ac:spMk id="7" creationId="{41F513F3-3C99-3F4A-F4A8-20DE33AFE73F}"/>
+          </ac:spMkLst>
+        </pc:spChg>
+        <pc:picChg chg="add del mod">
+          <ac:chgData name="Rathod Harshan" userId="35140d2fe3341ec0" providerId="LiveId" clId="{C971D6B2-C237-45B8-8C13-0DF1AEEA1CCF}" dt="2022-11-23T18:11:44.185" v="1038" actId="478"/>
+          <ac:picMkLst>
+            <pc:docMk/>
+            <pc:sldMk cId="3836897850" sldId="270"/>
+            <ac:picMk id="3" creationId="{CC9731D5-0A5F-F4C7-53FC-FDF7267C4A11}"/>
+          </ac:picMkLst>
+        </pc:picChg>
+        <pc:picChg chg="add mod">
+          <ac:chgData name="Rathod Harshan" userId="35140d2fe3341ec0" providerId="LiveId" clId="{C971D6B2-C237-45B8-8C13-0DF1AEEA1CCF}" dt="2022-11-23T18:59:38.073" v="3689" actId="14100"/>
+          <ac:picMkLst>
+            <pc:docMk/>
+            <pc:sldMk cId="3836897850" sldId="270"/>
+            <ac:picMk id="5" creationId="{6B12AAE6-6FD6-69C9-C74D-6633E1F38DE3}"/>
+          </ac:picMkLst>
+        </pc:picChg>
+      </pc:sldChg>
+    </pc:docChg>
+  </pc:docChgLst>
   <pc:docChgLst>
     <pc:chgData name="Rathod Harshan" userId="35140d2fe3341ec0" providerId="LiveId" clId="{0B48BC36-499A-4975-8AD0-F5039A225AA0}"/>
     <pc:docChg chg="custSel modSld">
@@ -418,7 +640,7 @@
             <a:fld id="{B61BEF0D-F0BB-DE4B-95CE-6DB70DBA9567}" type="datetimeFigureOut">
               <a:rPr lang="en-US" smtClean="0"/>
               <a:pPr/>
-              <a:t>11/10/2022</a:t>
+              <a:t>11/23/2022</a:t>
             </a:fld>
             <a:endParaRPr lang="en-US" dirty="0"/>
           </a:p>
@@ -754,7 +976,7 @@
             <a:fld id="{B61BEF0D-F0BB-DE4B-95CE-6DB70DBA9567}" type="datetimeFigureOut">
               <a:rPr lang="en-US" smtClean="0"/>
               <a:pPr/>
-              <a:t>11/10/2022</a:t>
+              <a:t>11/23/2022</a:t>
             </a:fld>
             <a:endParaRPr lang="en-US" dirty="0"/>
           </a:p>
@@ -1034,7 +1256,7 @@
             <a:fld id="{B61BEF0D-F0BB-DE4B-95CE-6DB70DBA9567}" type="datetimeFigureOut">
               <a:rPr lang="en-US" smtClean="0"/>
               <a:pPr/>
-              <a:t>11/10/2022</a:t>
+              <a:t>11/23/2022</a:t>
             </a:fld>
             <a:endParaRPr lang="en-US" dirty="0"/>
           </a:p>
@@ -1604,7 +1826,7 @@
             <a:fld id="{B61BEF0D-F0BB-DE4B-95CE-6DB70DBA9567}" type="datetimeFigureOut">
               <a:rPr lang="en-US" smtClean="0"/>
               <a:pPr/>
-              <a:t>11/10/2022</a:t>
+              <a:t>11/23/2022</a:t>
             </a:fld>
             <a:endParaRPr lang="en-US" dirty="0"/>
           </a:p>
@@ -1884,7 +2106,7 @@
             <a:fld id="{B61BEF0D-F0BB-DE4B-95CE-6DB70DBA9567}" type="datetimeFigureOut">
               <a:rPr lang="en-US" smtClean="0"/>
               <a:pPr/>
-              <a:t>11/10/2022</a:t>
+              <a:t>11/23/2022</a:t>
             </a:fld>
             <a:endParaRPr lang="en-US" dirty="0"/>
           </a:p>
@@ -2448,7 +2670,7 @@
             <a:fld id="{B61BEF0D-F0BB-DE4B-95CE-6DB70DBA9567}" type="datetimeFigureOut">
               <a:rPr lang="en-US" smtClean="0"/>
               <a:pPr/>
-              <a:t>11/10/2022</a:t>
+              <a:t>11/23/2022</a:t>
             </a:fld>
             <a:endParaRPr lang="en-US" dirty="0"/>
           </a:p>
@@ -2777,7 +2999,7 @@
             <a:fld id="{B61BEF0D-F0BB-DE4B-95CE-6DB70DBA9567}" type="datetimeFigureOut">
               <a:rPr lang="en-US" smtClean="0"/>
               <a:pPr/>
-              <a:t>11/10/2022</a:t>
+              <a:t>11/23/2022</a:t>
             </a:fld>
             <a:endParaRPr lang="en-US" dirty="0"/>
           </a:p>
@@ -2984,7 +3206,7 @@
             <a:fld id="{B61BEF0D-F0BB-DE4B-95CE-6DB70DBA9567}" type="datetimeFigureOut">
               <a:rPr lang="en-US" smtClean="0"/>
               <a:pPr/>
-              <a:t>11/10/2022</a:t>
+              <a:t>11/23/2022</a:t>
             </a:fld>
             <a:endParaRPr lang="en-US" dirty="0"/>
           </a:p>
@@ -3196,7 +3418,7 @@
             <a:fld id="{B61BEF0D-F0BB-DE4B-95CE-6DB70DBA9567}" type="datetimeFigureOut">
               <a:rPr lang="en-US" smtClean="0"/>
               <a:pPr/>
-              <a:t>11/10/2022</a:t>
+              <a:t>11/23/2022</a:t>
             </a:fld>
             <a:endParaRPr lang="en-US" dirty="0"/>
           </a:p>
@@ -3398,7 +3620,7 @@
             <a:fld id="{B61BEF0D-F0BB-DE4B-95CE-6DB70DBA9567}" type="datetimeFigureOut">
               <a:rPr lang="en-US" smtClean="0"/>
               <a:pPr/>
-              <a:t>11/10/2022</a:t>
+              <a:t>11/23/2022</a:t>
             </a:fld>
             <a:endParaRPr lang="en-US" dirty="0"/>
           </a:p>
@@ -3676,7 +3898,7 @@
             <a:fld id="{B61BEF0D-F0BB-DE4B-95CE-6DB70DBA9567}" type="datetimeFigureOut">
               <a:rPr lang="en-US" smtClean="0"/>
               <a:pPr/>
-              <a:t>11/10/2022</a:t>
+              <a:t>11/23/2022</a:t>
             </a:fld>
             <a:endParaRPr lang="en-US" dirty="0"/>
           </a:p>
@@ -3944,7 +4166,7 @@
             <a:fld id="{B61BEF0D-F0BB-DE4B-95CE-6DB70DBA9567}" type="datetimeFigureOut">
               <a:rPr lang="en-US" smtClean="0"/>
               <a:pPr/>
-              <a:t>11/10/2022</a:t>
+              <a:t>11/23/2022</a:t>
             </a:fld>
             <a:endParaRPr lang="en-US" dirty="0"/>
           </a:p>
@@ -4320,7 +4542,7 @@
             <a:fld id="{B61BEF0D-F0BB-DE4B-95CE-6DB70DBA9567}" type="datetimeFigureOut">
               <a:rPr lang="en-US" smtClean="0"/>
               <a:pPr/>
-              <a:t>11/10/2022</a:t>
+              <a:t>11/23/2022</a:t>
             </a:fld>
             <a:endParaRPr lang="en-US" dirty="0"/>
           </a:p>
@@ -4470,7 +4692,7 @@
             <a:fld id="{B61BEF0D-F0BB-DE4B-95CE-6DB70DBA9567}" type="datetimeFigureOut">
               <a:rPr lang="en-US" smtClean="0"/>
               <a:pPr/>
-              <a:t>11/10/2022</a:t>
+              <a:t>11/23/2022</a:t>
             </a:fld>
             <a:endParaRPr lang="en-US" dirty="0"/>
           </a:p>
@@ -4597,7 +4819,7 @@
             <a:fld id="{B61BEF0D-F0BB-DE4B-95CE-6DB70DBA9567}" type="datetimeFigureOut">
               <a:rPr lang="en-US" smtClean="0"/>
               <a:pPr/>
-              <a:t>11/10/2022</a:t>
+              <a:t>11/23/2022</a:t>
             </a:fld>
             <a:endParaRPr lang="en-US" dirty="0"/>
           </a:p>
@@ -4884,7 +5106,7 @@
             <a:fld id="{B61BEF0D-F0BB-DE4B-95CE-6DB70DBA9567}" type="datetimeFigureOut">
               <a:rPr lang="en-US" smtClean="0"/>
               <a:pPr/>
-              <a:t>11/10/2022</a:t>
+              <a:t>11/23/2022</a:t>
             </a:fld>
             <a:endParaRPr lang="en-US" dirty="0"/>
           </a:p>
@@ -5210,7 +5432,7 @@
             <a:fld id="{B61BEF0D-F0BB-DE4B-95CE-6DB70DBA9567}" type="datetimeFigureOut">
               <a:rPr lang="en-US" smtClean="0"/>
               <a:pPr/>
-              <a:t>11/10/2022</a:t>
+              <a:t>11/23/2022</a:t>
             </a:fld>
             <a:endParaRPr lang="en-US" dirty="0"/>
           </a:p>
@@ -5426,7 +5648,7 @@
             <a:fld id="{B61BEF0D-F0BB-DE4B-95CE-6DB70DBA9567}" type="datetimeFigureOut">
               <a:rPr lang="en-US" smtClean="0"/>
               <a:pPr/>
-              <a:t>11/10/2022</a:t>
+              <a:t>11/23/2022</a:t>
             </a:fld>
             <a:endParaRPr lang="en-US" dirty="0"/>
           </a:p>
@@ -6151,7 +6373,7 @@
           <p:cNvPr id="2" name="Title 1">
             <a:extLst>
               <a:ext uri="{FF2B5EF4-FFF2-40B4-BE49-F238E27FC236}">
-                <a16:creationId xmlns:a16="http://schemas.microsoft.com/office/drawing/2014/main" id="{60053195-C777-27C1-E050-729E5F362842}"/>
+                <a16:creationId xmlns:a16="http://schemas.microsoft.com/office/drawing/2014/main" id="{8CC4F131-68C9-7331-B804-5651A3233051}"/>
               </a:ext>
             </a:extLst>
           </p:cNvPr>
@@ -6164,463 +6386,60 @@
         </p:nvSpPr>
         <p:spPr>
           <a:xfrm>
-            <a:off x="725488" y="368390"/>
-            <a:ext cx="10131425" cy="1456267"/>
+            <a:off x="685801" y="390526"/>
+            <a:ext cx="10131425" cy="666750"/>
           </a:xfrm>
         </p:spPr>
         <p:txBody>
-          <a:bodyPr>
-            <a:normAutofit/>
-          </a:bodyPr>
+          <a:bodyPr/>
           <a:lstStyle/>
           <a:p>
-            <a:r>
-              <a:rPr lang="en-US" sz="4000" b="1" dirty="0">
+            <a:pPr algn="ctr"/>
+            <a:r>
+              <a:rPr lang="en-IN" b="1" u="sng" dirty="0">
                 <a:solidFill>
                   <a:srgbClr val="FFFF00"/>
                 </a:solidFill>
-                <a:latin typeface="Georgia" panose="02040502050405020303" pitchFamily="18" charset="0"/>
+                <a:latin typeface="Arial Rounded MT Bold" panose="020F0704030504030204" pitchFamily="34" charset="0"/>
               </a:rPr>
-              <a:t>Classes in our projects</a:t>
-            </a:r>
-            <a:endParaRPr lang="en-IN" sz="4000" b="1" dirty="0">
-              <a:solidFill>
-                <a:srgbClr val="FFFF00"/>
-              </a:solidFill>
-              <a:latin typeface="Georgia" panose="02040502050405020303" pitchFamily="18" charset="0"/>
-            </a:endParaRPr>
-          </a:p>
-        </p:txBody>
-      </p:sp>
-      <p:sp>
-        <p:nvSpPr>
-          <p:cNvPr id="4" name="TextBox 3">
+              <a:t>Uml diagram of project</a:t>
+            </a:r>
+          </a:p>
+        </p:txBody>
+      </p:sp>
+      <p:pic>
+        <p:nvPicPr>
+          <p:cNvPr id="6" name="Content Placeholder 5">
             <a:extLst>
               <a:ext uri="{FF2B5EF4-FFF2-40B4-BE49-F238E27FC236}">
-                <a16:creationId xmlns:a16="http://schemas.microsoft.com/office/drawing/2014/main" id="{BF848D0F-9260-0527-7DD3-EFD219248110}"/>
+                <a16:creationId xmlns:a16="http://schemas.microsoft.com/office/drawing/2014/main" id="{7D1DDFF8-4647-FBA6-E93E-0F222DF09E27}"/>
               </a:ext>
             </a:extLst>
           </p:cNvPr>
-          <p:cNvSpPr txBox="1"/>
-          <p:nvPr/>
-        </p:nvSpPr>
+          <p:cNvPicPr>
+            <a:picLocks noGrp="1" noChangeAspect="1"/>
+          </p:cNvPicPr>
+          <p:nvPr>
+            <p:ph idx="1"/>
+          </p:nvPr>
+        </p:nvPicPr>
+        <p:blipFill>
+          <a:blip r:embed="rId2"/>
+          <a:stretch>
+            <a:fillRect/>
+          </a:stretch>
+        </p:blipFill>
         <p:spPr>
           <a:xfrm>
-            <a:off x="407988" y="1918306"/>
-            <a:ext cx="4324350" cy="1200329"/>
+            <a:off x="74645" y="1129004"/>
+            <a:ext cx="12026241" cy="5635690"/>
           </a:xfrm>
-          <a:prstGeom prst="rect">
-            <a:avLst/>
-          </a:prstGeom>
-          <a:noFill/>
         </p:spPr>
-        <p:txBody>
-          <a:bodyPr wrap="square" rtlCol="0">
-            <a:spAutoFit/>
-          </a:bodyPr>
-          <a:lstStyle/>
-          <a:p>
-            <a:pPr marL="0" indent="0">
-              <a:buNone/>
-            </a:pPr>
-            <a:r>
-              <a:rPr lang="en-US" b="1" dirty="0"/>
-              <a:t>1) </a:t>
-            </a:r>
-            <a:r>
-              <a:rPr lang="en-US" dirty="0"/>
-              <a:t>Development Indicator(Abstract Class)</a:t>
-            </a:r>
-          </a:p>
-          <a:p>
-            <a:pPr marL="0" indent="0">
-              <a:buNone/>
-            </a:pPr>
-            <a:r>
-              <a:rPr lang="en-US" dirty="0"/>
-              <a:t>	- Value(</a:t>
-            </a:r>
-            <a:r>
-              <a:rPr lang="en-IN" dirty="0"/>
-              <a:t>Double)</a:t>
-            </a:r>
-            <a:endParaRPr lang="en-US" dirty="0"/>
-          </a:p>
-          <a:p>
-            <a:pPr marL="0" indent="0">
-              <a:buNone/>
-            </a:pPr>
-            <a:r>
-              <a:rPr lang="en-US" dirty="0"/>
-              <a:t>	-Year(Int)</a:t>
-            </a:r>
-          </a:p>
-          <a:p>
-            <a:endParaRPr lang="en-IN" dirty="0"/>
-          </a:p>
-        </p:txBody>
-      </p:sp>
-      <p:sp>
-        <p:nvSpPr>
-          <p:cNvPr id="5" name="TextBox 4">
-            <a:extLst>
-              <a:ext uri="{FF2B5EF4-FFF2-40B4-BE49-F238E27FC236}">
-                <a16:creationId xmlns:a16="http://schemas.microsoft.com/office/drawing/2014/main" id="{7ADB1A81-6ABB-65B9-6091-399C3CD81F8D}"/>
-              </a:ext>
-            </a:extLst>
-          </p:cNvPr>
-          <p:cNvSpPr txBox="1"/>
-          <p:nvPr/>
-        </p:nvSpPr>
-        <p:spPr>
-          <a:xfrm>
-            <a:off x="5703888" y="1952626"/>
-            <a:ext cx="3695700" cy="1200329"/>
-          </a:xfrm>
-          <a:prstGeom prst="rect">
-            <a:avLst/>
-          </a:prstGeom>
-          <a:noFill/>
-        </p:spPr>
-        <p:txBody>
-          <a:bodyPr wrap="square" rtlCol="0">
-            <a:spAutoFit/>
-          </a:bodyPr>
-          <a:lstStyle/>
-          <a:p>
-            <a:pPr marL="0" indent="0">
-              <a:buNone/>
-            </a:pPr>
-            <a:r>
-              <a:rPr lang="en-US" b="1" dirty="0"/>
-              <a:t>2) </a:t>
-            </a:r>
-            <a:r>
-              <a:rPr lang="en-US" dirty="0"/>
-              <a:t>Assets Indictor(Abstract Class)</a:t>
-            </a:r>
-          </a:p>
-          <a:p>
-            <a:pPr marL="0" indent="0">
-              <a:buNone/>
-            </a:pPr>
-            <a:r>
-              <a:rPr lang="en-US" dirty="0"/>
-              <a:t>	-value(long)</a:t>
-            </a:r>
-          </a:p>
-          <a:p>
-            <a:pPr marL="0" indent="0">
-              <a:buNone/>
-            </a:pPr>
-            <a:r>
-              <a:rPr lang="en-US" dirty="0"/>
-              <a:t>	-year(Int)</a:t>
-            </a:r>
-          </a:p>
-          <a:p>
-            <a:endParaRPr lang="en-IN" dirty="0"/>
-          </a:p>
-        </p:txBody>
-      </p:sp>
-      <p:sp>
-        <p:nvSpPr>
-          <p:cNvPr id="6" name="TextBox 5">
-            <a:extLst>
-              <a:ext uri="{FF2B5EF4-FFF2-40B4-BE49-F238E27FC236}">
-                <a16:creationId xmlns:a16="http://schemas.microsoft.com/office/drawing/2014/main" id="{7A91EDDC-9CD8-E65F-D125-51BDB3AA66CA}"/>
-              </a:ext>
-            </a:extLst>
-          </p:cNvPr>
-          <p:cNvSpPr txBox="1"/>
-          <p:nvPr/>
-        </p:nvSpPr>
-        <p:spPr>
-          <a:xfrm>
-            <a:off x="484188" y="3199609"/>
-            <a:ext cx="3859212" cy="1200329"/>
-          </a:xfrm>
-          <a:prstGeom prst="rect">
-            <a:avLst/>
-          </a:prstGeom>
-          <a:noFill/>
-        </p:spPr>
-        <p:txBody>
-          <a:bodyPr wrap="square" rtlCol="0">
-            <a:spAutoFit/>
-          </a:bodyPr>
-          <a:lstStyle/>
-          <a:p>
-            <a:pPr marL="0" indent="0">
-              <a:buNone/>
-            </a:pPr>
-            <a:r>
-              <a:rPr lang="en-US" b="1" dirty="0"/>
-              <a:t>3) </a:t>
-            </a:r>
-            <a:r>
-              <a:rPr lang="en-US" dirty="0"/>
-              <a:t>Exchange Rate</a:t>
-            </a:r>
-          </a:p>
-          <a:p>
-            <a:pPr marL="457200" lvl="1" indent="0">
-              <a:buNone/>
-            </a:pPr>
-            <a:r>
-              <a:rPr lang="en-US" dirty="0"/>
-              <a:t>-value(Double)</a:t>
-            </a:r>
-          </a:p>
-          <a:p>
-            <a:pPr marL="457200" lvl="1" indent="0">
-              <a:buNone/>
-            </a:pPr>
-            <a:r>
-              <a:rPr lang="en-US" dirty="0"/>
-              <a:t>-year(Int)</a:t>
-            </a:r>
-          </a:p>
-          <a:p>
-            <a:pPr marL="457200" lvl="1" indent="0">
-              <a:buNone/>
-            </a:pPr>
-            <a:r>
-              <a:rPr lang="en-US" dirty="0"/>
-              <a:t> -Functions</a:t>
-            </a:r>
-          </a:p>
-        </p:txBody>
-      </p:sp>
-      <p:sp>
-        <p:nvSpPr>
-          <p:cNvPr id="9" name="TextBox 8">
-            <a:extLst>
-              <a:ext uri="{FF2B5EF4-FFF2-40B4-BE49-F238E27FC236}">
-                <a16:creationId xmlns:a16="http://schemas.microsoft.com/office/drawing/2014/main" id="{BBB7242E-D4C3-957C-47A9-A8E92F7242D1}"/>
-              </a:ext>
-            </a:extLst>
-          </p:cNvPr>
-          <p:cNvSpPr txBox="1"/>
-          <p:nvPr/>
-        </p:nvSpPr>
-        <p:spPr>
-          <a:xfrm>
-            <a:off x="5791201" y="3152955"/>
-            <a:ext cx="2495550" cy="923330"/>
-          </a:xfrm>
-          <a:prstGeom prst="rect">
-            <a:avLst/>
-          </a:prstGeom>
-          <a:noFill/>
-        </p:spPr>
-        <p:txBody>
-          <a:bodyPr wrap="square" rtlCol="0">
-            <a:spAutoFit/>
-          </a:bodyPr>
-          <a:lstStyle/>
-          <a:p>
-            <a:pPr marL="0" indent="0">
-              <a:buNone/>
-            </a:pPr>
-            <a:r>
-              <a:rPr lang="en-IN" b="1" dirty="0"/>
-              <a:t>4) </a:t>
-            </a:r>
-            <a:r>
-              <a:rPr lang="en-IN" dirty="0"/>
-              <a:t>Deposit Interest Rate</a:t>
-            </a:r>
-          </a:p>
-          <a:p>
-            <a:pPr marL="0" indent="0">
-              <a:buNone/>
-            </a:pPr>
-            <a:r>
-              <a:rPr lang="en-IN" dirty="0"/>
-              <a:t>	-value(Double)</a:t>
-            </a:r>
-          </a:p>
-          <a:p>
-            <a:pPr marL="0" indent="0">
-              <a:buNone/>
-            </a:pPr>
-            <a:r>
-              <a:rPr lang="en-IN" dirty="0"/>
-              <a:t>	-year(Int)</a:t>
-            </a:r>
-          </a:p>
-        </p:txBody>
-      </p:sp>
-      <p:sp>
-        <p:nvSpPr>
-          <p:cNvPr id="10" name="TextBox 9">
-            <a:extLst>
-              <a:ext uri="{FF2B5EF4-FFF2-40B4-BE49-F238E27FC236}">
-                <a16:creationId xmlns:a16="http://schemas.microsoft.com/office/drawing/2014/main" id="{80EADA61-9464-8412-9A3D-49CB9BCE35D5}"/>
-              </a:ext>
-            </a:extLst>
-          </p:cNvPr>
-          <p:cNvSpPr txBox="1"/>
-          <p:nvPr/>
-        </p:nvSpPr>
-        <p:spPr>
-          <a:xfrm>
-            <a:off x="484188" y="4421924"/>
-            <a:ext cx="3687762" cy="1200329"/>
-          </a:xfrm>
-          <a:prstGeom prst="rect">
-            <a:avLst/>
-          </a:prstGeom>
-          <a:noFill/>
-        </p:spPr>
-        <p:txBody>
-          <a:bodyPr wrap="square" rtlCol="0">
-            <a:spAutoFit/>
-          </a:bodyPr>
-          <a:lstStyle/>
-          <a:p>
-            <a:pPr marL="0" indent="0">
-              <a:buNone/>
-            </a:pPr>
-            <a:r>
-              <a:rPr lang="en-IN" b="1" dirty="0"/>
-              <a:t>5) </a:t>
-            </a:r>
-            <a:r>
-              <a:rPr lang="en-IN" dirty="0"/>
-              <a:t>CPI</a:t>
-            </a:r>
-          </a:p>
-          <a:p>
-            <a:pPr marL="0" indent="0">
-              <a:buNone/>
-            </a:pPr>
-            <a:r>
-              <a:rPr lang="en-IN" dirty="0"/>
-              <a:t>	-Year(Int)</a:t>
-            </a:r>
-          </a:p>
-          <a:p>
-            <a:pPr marL="457200" lvl="1" indent="0">
-              <a:buNone/>
-            </a:pPr>
-            <a:r>
-              <a:rPr lang="en-IN" dirty="0"/>
-              <a:t>-Value(Double)</a:t>
-            </a:r>
-          </a:p>
-          <a:p>
-            <a:pPr marL="457200" lvl="1" indent="0">
-              <a:buNone/>
-            </a:pPr>
-            <a:r>
-              <a:rPr lang="en-IN" dirty="0"/>
-              <a:t>-Inflation-Rate(Function)</a:t>
-            </a:r>
-          </a:p>
-        </p:txBody>
-      </p:sp>
-      <p:sp>
-        <p:nvSpPr>
-          <p:cNvPr id="11" name="TextBox 10">
-            <a:extLst>
-              <a:ext uri="{FF2B5EF4-FFF2-40B4-BE49-F238E27FC236}">
-                <a16:creationId xmlns:a16="http://schemas.microsoft.com/office/drawing/2014/main" id="{7670F220-D11C-53B7-ABBB-7C6AD8BBC44B}"/>
-              </a:ext>
-            </a:extLst>
-          </p:cNvPr>
-          <p:cNvSpPr txBox="1"/>
-          <p:nvPr/>
-        </p:nvSpPr>
-        <p:spPr>
-          <a:xfrm flipH="1">
-            <a:off x="5865492" y="4167128"/>
-            <a:ext cx="5974082" cy="2031325"/>
-          </a:xfrm>
-          <a:prstGeom prst="rect">
-            <a:avLst/>
-          </a:prstGeom>
-          <a:noFill/>
-        </p:spPr>
-        <p:txBody>
-          <a:bodyPr wrap="square" rtlCol="0">
-            <a:spAutoFit/>
-          </a:bodyPr>
-          <a:lstStyle/>
-          <a:p>
-            <a:pPr marL="0" indent="0">
-              <a:buNone/>
-            </a:pPr>
-            <a:r>
-              <a:rPr lang="en-IN" b="1" dirty="0"/>
-              <a:t>6) </a:t>
-            </a:r>
-            <a:r>
-              <a:rPr lang="en-IN" dirty="0"/>
-              <a:t>GDP</a:t>
-            </a:r>
-          </a:p>
-          <a:p>
-            <a:pPr marL="0" indent="0">
-              <a:buNone/>
-            </a:pPr>
-            <a:r>
-              <a:rPr lang="en-IN" dirty="0"/>
-              <a:t>	-Value(long)</a:t>
-            </a:r>
-          </a:p>
-          <a:p>
-            <a:pPr marL="0" indent="0">
-              <a:buNone/>
-            </a:pPr>
-            <a:r>
-              <a:rPr lang="en-IN" dirty="0"/>
-              <a:t>	-Unit(Static)</a:t>
-            </a:r>
-          </a:p>
-          <a:p>
-            <a:pPr marL="0" indent="0">
-              <a:buNone/>
-            </a:pPr>
-            <a:r>
-              <a:rPr lang="en-IN" dirty="0"/>
-              <a:t>	-Year(int)</a:t>
-            </a:r>
-          </a:p>
-          <a:p>
-            <a:pPr marL="0" indent="0">
-              <a:buNone/>
-            </a:pPr>
-            <a:r>
-              <a:rPr lang="en-IN" dirty="0"/>
-              <a:t>	-Import percentage (double)</a:t>
-            </a:r>
-          </a:p>
-          <a:p>
-            <a:pPr marL="0" indent="0">
-              <a:buNone/>
-            </a:pPr>
-            <a:r>
-              <a:rPr lang="en-IN" dirty="0"/>
-              <a:t>	-Export percentage (double)</a:t>
-            </a:r>
-          </a:p>
-          <a:p>
-            <a:pPr marL="0" indent="0">
-              <a:buNone/>
-            </a:pPr>
-            <a:r>
-              <a:rPr lang="en-IN" dirty="0"/>
-              <a:t>	-Tax-Revenue Percentage (double)</a:t>
-            </a:r>
-          </a:p>
-        </p:txBody>
-      </p:sp>
+      </p:pic>
     </p:spTree>
     <p:extLst>
       <p:ext uri="{BB962C8B-B14F-4D97-AF65-F5344CB8AC3E}">
-        <p14:creationId xmlns:p14="http://schemas.microsoft.com/office/powerpoint/2010/main" val="1736433821"/>
+        <p14:creationId xmlns:p14="http://schemas.microsoft.com/office/powerpoint/2010/main" val="1200283913"/>
       </p:ext>
     </p:extLst>
   </p:cSld>
@@ -6647,227 +6466,147 @@
           <a:chExt cx="0" cy="0"/>
         </a:xfrm>
       </p:grpSpPr>
-      <p:sp>
-        <p:nvSpPr>
-          <p:cNvPr id="3" name="Content Placeholder 2">
+      <p:pic>
+        <p:nvPicPr>
+          <p:cNvPr id="5" name="Picture 4">
             <a:extLst>
               <a:ext uri="{FF2B5EF4-FFF2-40B4-BE49-F238E27FC236}">
-                <a16:creationId xmlns:a16="http://schemas.microsoft.com/office/drawing/2014/main" id="{31F5120D-8D61-FD9C-1554-43DFB709DC51}"/>
+                <a16:creationId xmlns:a16="http://schemas.microsoft.com/office/drawing/2014/main" id="{6B12AAE6-6FD6-69C9-C74D-6633E1F38DE3}"/>
               </a:ext>
             </a:extLst>
           </p:cNvPr>
-          <p:cNvSpPr>
-            <a:spLocks noGrp="1"/>
-          </p:cNvSpPr>
-          <p:nvPr>
-            <p:ph idx="1"/>
-          </p:nvPr>
-        </p:nvSpPr>
+          <p:cNvPicPr>
+            <a:picLocks noChangeAspect="1"/>
+          </p:cNvPicPr>
+          <p:nvPr/>
+        </p:nvPicPr>
+        <p:blipFill>
+          <a:blip r:embed="rId2"/>
+          <a:stretch>
+            <a:fillRect/>
+          </a:stretch>
+        </p:blipFill>
         <p:spPr>
           <a:xfrm>
-            <a:off x="561976" y="2723555"/>
-            <a:ext cx="10131425" cy="2886075"/>
-          </a:xfrm>
-        </p:spPr>
-        <p:txBody>
-          <a:bodyPr>
-            <a:normAutofit lnSpcReduction="10000"/>
-          </a:bodyPr>
-          <a:lstStyle/>
-          <a:p>
-            <a:pPr marL="0" indent="0">
-              <a:buNone/>
-            </a:pPr>
-            <a:r>
-              <a:rPr lang="en-US" b="1" dirty="0"/>
-              <a:t>9</a:t>
-            </a:r>
-            <a:r>
-              <a:rPr lang="en-US" dirty="0"/>
-              <a:t>) Country</a:t>
-            </a:r>
-          </a:p>
-          <a:p>
-            <a:pPr marL="0" indent="0">
-              <a:buNone/>
-            </a:pPr>
-            <a:r>
-              <a:rPr lang="en-US" dirty="0"/>
-              <a:t>	-Name(String)  		 		 	-Code (String)   			</a:t>
-            </a:r>
-          </a:p>
-          <a:p>
-            <a:pPr marL="0" indent="0">
-              <a:buNone/>
-            </a:pPr>
-            <a:r>
-              <a:rPr lang="en-US" dirty="0"/>
-              <a:t>	- Exchange Rates (Array of Object)		- CPI’s (Array of Object)      	</a:t>
-            </a:r>
-          </a:p>
-          <a:p>
-            <a:pPr marL="0" indent="0">
-              <a:buNone/>
-            </a:pPr>
-            <a:r>
-              <a:rPr lang="en-US" dirty="0"/>
-              <a:t>	- Interest Rate (Array of Object) 		 -GDP’s(Array Of Object)  </a:t>
-            </a:r>
-          </a:p>
-          <a:p>
-            <a:pPr marL="0" indent="0">
-              <a:buNone/>
-            </a:pPr>
-            <a:r>
-              <a:rPr lang="en-US" dirty="0"/>
-              <a:t>	-Reserves(Array Of Objects)        		 -Population’s(Array Of Object)</a:t>
-            </a:r>
-          </a:p>
-          <a:p>
-            <a:pPr marL="0" indent="0">
-              <a:buNone/>
-            </a:pPr>
-            <a:endParaRPr lang="en-US" dirty="0"/>
-          </a:p>
-          <a:p>
-            <a:pPr marL="0" indent="0">
-              <a:buNone/>
-            </a:pPr>
-            <a:r>
-              <a:rPr lang="en-US" dirty="0"/>
-              <a:t>	-Functions to Get Data of Different Objects at different intervals of time.</a:t>
-            </a:r>
-          </a:p>
-          <a:p>
-            <a:pPr marL="0" indent="0">
-              <a:buNone/>
-            </a:pPr>
-            <a:endParaRPr lang="en-US" dirty="0"/>
-          </a:p>
-          <a:p>
-            <a:pPr marL="0" indent="0">
-              <a:buNone/>
-            </a:pPr>
-            <a:endParaRPr lang="en-US" dirty="0"/>
-          </a:p>
-        </p:txBody>
-      </p:sp>
-      <p:sp>
-        <p:nvSpPr>
-          <p:cNvPr id="2" name="TextBox 1">
-            <a:extLst>
-              <a:ext uri="{FF2B5EF4-FFF2-40B4-BE49-F238E27FC236}">
-                <a16:creationId xmlns:a16="http://schemas.microsoft.com/office/drawing/2014/main" id="{9AC244FC-E684-948A-0564-F37BAFF2290D}"/>
-              </a:ext>
-            </a:extLst>
-          </p:cNvPr>
-          <p:cNvSpPr txBox="1"/>
-          <p:nvPr/>
-        </p:nvSpPr>
-        <p:spPr>
-          <a:xfrm>
-            <a:off x="723901" y="610790"/>
-            <a:ext cx="3257550" cy="923330"/>
+            <a:off x="559837" y="1057276"/>
+            <a:ext cx="10935477" cy="5651434"/>
           </a:xfrm>
           <a:prstGeom prst="rect">
             <a:avLst/>
           </a:prstGeom>
-          <a:noFill/>
         </p:spPr>
-        <p:txBody>
-          <a:bodyPr wrap="square" rtlCol="0">
-            <a:spAutoFit/>
-          </a:bodyPr>
-          <a:lstStyle/>
-          <a:p>
-            <a:pPr marL="0" indent="0">
-              <a:buNone/>
-            </a:pPr>
-            <a:r>
-              <a:rPr lang="en-US" b="1" dirty="0"/>
-              <a:t>7) </a:t>
-            </a:r>
-            <a:r>
-              <a:rPr lang="en-US" dirty="0"/>
-              <a:t>Reserves</a:t>
-            </a:r>
-          </a:p>
-          <a:p>
-            <a:pPr marL="0" indent="0">
-              <a:buNone/>
-            </a:pPr>
-            <a:r>
-              <a:rPr lang="en-US" dirty="0"/>
-              <a:t>	-Year(Int)</a:t>
-            </a:r>
-          </a:p>
-          <a:p>
-            <a:pPr marL="0" indent="0">
-              <a:buNone/>
-            </a:pPr>
-            <a:r>
-              <a:rPr lang="en-US" dirty="0"/>
-              <a:t>	-Value(long)</a:t>
-            </a:r>
-          </a:p>
-        </p:txBody>
-      </p:sp>
-      <p:sp>
-        <p:nvSpPr>
-          <p:cNvPr id="4" name="TextBox 3">
+      </p:pic>
+      <p:sp>
+        <p:nvSpPr>
+          <p:cNvPr id="7" name="Title 1">
             <a:extLst>
               <a:ext uri="{FF2B5EF4-FFF2-40B4-BE49-F238E27FC236}">
-                <a16:creationId xmlns:a16="http://schemas.microsoft.com/office/drawing/2014/main" id="{02369BF6-C9FC-9A52-E889-F9A2BA54E6F4}"/>
+                <a16:creationId xmlns:a16="http://schemas.microsoft.com/office/drawing/2014/main" id="{41F513F3-3C99-3F4A-F4A8-20DE33AFE73F}"/>
               </a:ext>
             </a:extLst>
           </p:cNvPr>
-          <p:cNvSpPr txBox="1"/>
+          <p:cNvSpPr txBox="1">
+            <a:spLocks/>
+          </p:cNvSpPr>
           <p:nvPr/>
         </p:nvSpPr>
         <p:spPr>
           <a:xfrm>
-            <a:off x="6324600" y="610790"/>
-            <a:ext cx="3038475" cy="923330"/>
+            <a:off x="1030287" y="390526"/>
+            <a:ext cx="10131425" cy="666750"/>
           </a:xfrm>
           <a:prstGeom prst="rect">
             <a:avLst/>
           </a:prstGeom>
-          <a:noFill/>
         </p:spPr>
         <p:txBody>
-          <a:bodyPr wrap="square" rtlCol="0">
-            <a:spAutoFit/>
-          </a:bodyPr>
-          <a:lstStyle/>
-          <a:p>
-            <a:pPr marL="0" indent="0">
-              <a:buNone/>
-            </a:pPr>
-            <a:r>
-              <a:rPr lang="en-US" b="1" dirty="0"/>
-              <a:t>8) </a:t>
-            </a:r>
-            <a:r>
-              <a:rPr lang="en-US" dirty="0"/>
-              <a:t>Population</a:t>
-            </a:r>
-          </a:p>
-          <a:p>
-            <a:pPr marL="0" indent="0">
-              <a:buNone/>
-            </a:pPr>
-            <a:r>
-              <a:rPr lang="en-US" dirty="0"/>
-              <a:t>	-Year(Int)</a:t>
-            </a:r>
-          </a:p>
-          <a:p>
-            <a:pPr marL="0" indent="0">
-              <a:buNone/>
-            </a:pPr>
-            <a:r>
-              <a:rPr lang="en-US" dirty="0"/>
-              <a:t>	-Value(long)</a:t>
+          <a:bodyPr/>
+          <a:lstStyle>
+            <a:lvl1pPr algn="l" defTabSz="457200" rtl="0" eaLnBrk="1" latinLnBrk="0" hangingPunct="1">
+              <a:spcBef>
+                <a:spcPct val="0"/>
+              </a:spcBef>
+              <a:buNone/>
+              <a:defRPr sz="3600" kern="1200" cap="all">
+                <a:ln w="3175" cmpd="sng">
+                  <a:noFill/>
+                </a:ln>
+                <a:solidFill>
+                  <a:schemeClr val="tx1"/>
+                </a:solidFill>
+                <a:effectLst/>
+                <a:latin typeface="+mj-lt"/>
+                <a:ea typeface="+mj-ea"/>
+                <a:cs typeface="+mj-cs"/>
+              </a:defRPr>
+            </a:lvl1pPr>
+            <a:lvl2pPr eaLnBrk="1" hangingPunct="1">
+              <a:defRPr>
+                <a:solidFill>
+                  <a:schemeClr val="tx2"/>
+                </a:solidFill>
+              </a:defRPr>
+            </a:lvl2pPr>
+            <a:lvl3pPr eaLnBrk="1" hangingPunct="1">
+              <a:defRPr>
+                <a:solidFill>
+                  <a:schemeClr val="tx2"/>
+                </a:solidFill>
+              </a:defRPr>
+            </a:lvl3pPr>
+            <a:lvl4pPr eaLnBrk="1" hangingPunct="1">
+              <a:defRPr>
+                <a:solidFill>
+                  <a:schemeClr val="tx2"/>
+                </a:solidFill>
+              </a:defRPr>
+            </a:lvl4pPr>
+            <a:lvl5pPr eaLnBrk="1" hangingPunct="1">
+              <a:defRPr>
+                <a:solidFill>
+                  <a:schemeClr val="tx2"/>
+                </a:solidFill>
+              </a:defRPr>
+            </a:lvl5pPr>
+            <a:lvl6pPr eaLnBrk="1" hangingPunct="1">
+              <a:defRPr>
+                <a:solidFill>
+                  <a:schemeClr val="tx2"/>
+                </a:solidFill>
+              </a:defRPr>
+            </a:lvl6pPr>
+            <a:lvl7pPr eaLnBrk="1" hangingPunct="1">
+              <a:defRPr>
+                <a:solidFill>
+                  <a:schemeClr val="tx2"/>
+                </a:solidFill>
+              </a:defRPr>
+            </a:lvl7pPr>
+            <a:lvl8pPr eaLnBrk="1" hangingPunct="1">
+              <a:defRPr>
+                <a:solidFill>
+                  <a:schemeClr val="tx2"/>
+                </a:solidFill>
+              </a:defRPr>
+            </a:lvl8pPr>
+            <a:lvl9pPr eaLnBrk="1" hangingPunct="1">
+              <a:defRPr>
+                <a:solidFill>
+                  <a:schemeClr val="tx2"/>
+                </a:solidFill>
+              </a:defRPr>
+            </a:lvl9pPr>
+          </a:lstStyle>
+          <a:p>
+            <a:pPr algn="ctr"/>
+            <a:r>
+              <a:rPr lang="en-IN" b="1" u="sng" dirty="0">
+                <a:solidFill>
+                  <a:srgbClr val="FFFF00"/>
+                </a:solidFill>
+                <a:latin typeface="Arial Rounded MT Bold" panose="020F0704030504030204" pitchFamily="34" charset="0"/>
+              </a:rPr>
+              <a:t>WORKING OF PROGRAM</a:t>
             </a:r>
           </a:p>
         </p:txBody>
@@ -6875,7 +6614,7 @@
     </p:spTree>
     <p:extLst>
       <p:ext uri="{BB962C8B-B14F-4D97-AF65-F5344CB8AC3E}">
-        <p14:creationId xmlns:p14="http://schemas.microsoft.com/office/powerpoint/2010/main" val="4121788743"/>
+        <p14:creationId xmlns:p14="http://schemas.microsoft.com/office/powerpoint/2010/main" val="3836897850"/>
       </p:ext>
     </p:extLst>
   </p:cSld>
@@ -6904,102 +6643,341 @@
       </p:grpSpPr>
       <p:sp>
         <p:nvSpPr>
-          <p:cNvPr id="3" name="Content Placeholder 2">
+          <p:cNvPr id="4" name="Title 1">
             <a:extLst>
               <a:ext uri="{FF2B5EF4-FFF2-40B4-BE49-F238E27FC236}">
-                <a16:creationId xmlns:a16="http://schemas.microsoft.com/office/drawing/2014/main" id="{65FB9F5B-FC6E-9D3D-29E4-75D287D7D583}"/>
+                <a16:creationId xmlns:a16="http://schemas.microsoft.com/office/drawing/2014/main" id="{BC13DC1E-3635-F6AA-4119-3F04CA09E2E8}"/>
               </a:ext>
             </a:extLst>
           </p:cNvPr>
-          <p:cNvSpPr>
-            <a:spLocks noGrp="1"/>
-          </p:cNvSpPr>
-          <p:nvPr>
-            <p:ph idx="1"/>
-          </p:nvPr>
+          <p:cNvSpPr txBox="1">
+            <a:spLocks/>
+          </p:cNvSpPr>
+          <p:nvPr/>
         </p:nvSpPr>
         <p:spPr>
           <a:xfrm>
-            <a:off x="685801" y="257175"/>
-            <a:ext cx="10131425" cy="5534025"/>
+            <a:off x="1702838" y="534955"/>
+            <a:ext cx="10131425" cy="1456267"/>
           </a:xfrm>
+          <a:prstGeom prst="rect">
+            <a:avLst/>
+          </a:prstGeom>
         </p:spPr>
         <p:txBody>
           <a:bodyPr/>
+          <a:lstStyle>
+            <a:lvl1pPr algn="l" defTabSz="457200" rtl="0" eaLnBrk="1" latinLnBrk="0" hangingPunct="1">
+              <a:spcBef>
+                <a:spcPct val="0"/>
+              </a:spcBef>
+              <a:buNone/>
+              <a:defRPr sz="3600" kern="1200" cap="all">
+                <a:ln w="3175" cmpd="sng">
+                  <a:noFill/>
+                </a:ln>
+                <a:solidFill>
+                  <a:schemeClr val="tx1"/>
+                </a:solidFill>
+                <a:effectLst/>
+                <a:latin typeface="+mj-lt"/>
+                <a:ea typeface="+mj-ea"/>
+                <a:cs typeface="+mj-cs"/>
+              </a:defRPr>
+            </a:lvl1pPr>
+            <a:lvl2pPr eaLnBrk="1" hangingPunct="1">
+              <a:defRPr>
+                <a:solidFill>
+                  <a:schemeClr val="tx2"/>
+                </a:solidFill>
+              </a:defRPr>
+            </a:lvl2pPr>
+            <a:lvl3pPr eaLnBrk="1" hangingPunct="1">
+              <a:defRPr>
+                <a:solidFill>
+                  <a:schemeClr val="tx2"/>
+                </a:solidFill>
+              </a:defRPr>
+            </a:lvl3pPr>
+            <a:lvl4pPr eaLnBrk="1" hangingPunct="1">
+              <a:defRPr>
+                <a:solidFill>
+                  <a:schemeClr val="tx2"/>
+                </a:solidFill>
+              </a:defRPr>
+            </a:lvl4pPr>
+            <a:lvl5pPr eaLnBrk="1" hangingPunct="1">
+              <a:defRPr>
+                <a:solidFill>
+                  <a:schemeClr val="tx2"/>
+                </a:solidFill>
+              </a:defRPr>
+            </a:lvl5pPr>
+            <a:lvl6pPr eaLnBrk="1" hangingPunct="1">
+              <a:defRPr>
+                <a:solidFill>
+                  <a:schemeClr val="tx2"/>
+                </a:solidFill>
+              </a:defRPr>
+            </a:lvl6pPr>
+            <a:lvl7pPr eaLnBrk="1" hangingPunct="1">
+              <a:defRPr>
+                <a:solidFill>
+                  <a:schemeClr val="tx2"/>
+                </a:solidFill>
+              </a:defRPr>
+            </a:lvl7pPr>
+            <a:lvl8pPr eaLnBrk="1" hangingPunct="1">
+              <a:defRPr>
+                <a:solidFill>
+                  <a:schemeClr val="tx2"/>
+                </a:solidFill>
+              </a:defRPr>
+            </a:lvl8pPr>
+            <a:lvl9pPr eaLnBrk="1" hangingPunct="1">
+              <a:defRPr>
+                <a:solidFill>
+                  <a:schemeClr val="tx2"/>
+                </a:solidFill>
+              </a:defRPr>
+            </a:lvl9pPr>
+          </a:lstStyle>
+          <a:p>
+            <a:r>
+              <a:rPr lang="en-IN" dirty="0">
+                <a:solidFill>
+                  <a:srgbClr val="FFFF00"/>
+                </a:solidFill>
+                <a:latin typeface="Arial Rounded MT Bold" panose="020F0704030504030204" pitchFamily="34" charset="0"/>
+              </a:rPr>
+              <a:t>Team Members and their roles</a:t>
+            </a:r>
+          </a:p>
+        </p:txBody>
+      </p:sp>
+      <p:sp>
+        <p:nvSpPr>
+          <p:cNvPr id="6" name="TextBox 5">
+            <a:extLst>
+              <a:ext uri="{FF2B5EF4-FFF2-40B4-BE49-F238E27FC236}">
+                <a16:creationId xmlns:a16="http://schemas.microsoft.com/office/drawing/2014/main" id="{86EDF0A7-B446-681D-F923-A58D787EB359}"/>
+              </a:ext>
+            </a:extLst>
+          </p:cNvPr>
+          <p:cNvSpPr txBox="1"/>
+          <p:nvPr/>
+        </p:nvSpPr>
+        <p:spPr>
+          <a:xfrm>
+            <a:off x="460247" y="1875453"/>
+            <a:ext cx="11374016" cy="4801314"/>
+          </a:xfrm>
+          <a:prstGeom prst="rect">
+            <a:avLst/>
+          </a:prstGeom>
+          <a:noFill/>
+        </p:spPr>
+        <p:txBody>
+          <a:bodyPr wrap="square" rtlCol="0">
+            <a:spAutoFit/>
+          </a:bodyPr>
           <a:lstStyle/>
           <a:p>
             <a:pPr marL="0" indent="0">
               <a:buNone/>
             </a:pPr>
             <a:r>
+              <a:rPr lang="en-IN" b="1" dirty="0">
+                <a:latin typeface="Monotype Corsiva" panose="03010101010201010101" pitchFamily="66" charset="0"/>
+                <a:ea typeface="Microsoft YaHei UI Light" panose="020B0502040204020203" pitchFamily="34" charset="-122"/>
+              </a:rPr>
+              <a:t>1) </a:t>
+            </a:r>
+            <a:r>
+              <a:rPr lang="en-IN" b="1" dirty="0">
+                <a:latin typeface="Microsoft YaHei UI Light" panose="020B0502040204020203" pitchFamily="34" charset="-122"/>
+                <a:ea typeface="Microsoft YaHei UI Light" panose="020B0502040204020203" pitchFamily="34" charset="-122"/>
+              </a:rPr>
+              <a:t>AARAV NIGAM </a:t>
+            </a:r>
+            <a:r>
               <a:rPr lang="en-IN" b="1" dirty="0"/>
-              <a:t>10) </a:t>
+              <a:t>(S20210010002)</a:t>
+            </a:r>
+          </a:p>
+          <a:p>
+            <a:pPr marL="0" indent="0">
+              <a:buNone/>
+            </a:pPr>
+            <a:endParaRPr lang="en-IN" b="1" dirty="0"/>
+          </a:p>
+          <a:p>
+            <a:pPr marL="285750" indent="-285750">
+              <a:buFont typeface="Wingdings" panose="05000000000000000000" pitchFamily="2" charset="2"/>
+              <a:buChar char="à"/>
+            </a:pPr>
+            <a:r>
+              <a:rPr lang="en-IN" dirty="0">
+                <a:latin typeface="Bahnschrift Light" panose="020B0502040204020203" pitchFamily="34" charset="0"/>
+                <a:sym typeface="Wingdings" panose="05000000000000000000" pitchFamily="2" charset="2"/>
+              </a:rPr>
+              <a:t>Schema Structuring,</a:t>
+            </a:r>
+          </a:p>
+          <a:p>
+            <a:r>
+              <a:rPr lang="en-IN" dirty="0">
+                <a:latin typeface="Bahnschrift Light" panose="020B0502040204020203" pitchFamily="34" charset="0"/>
+                <a:sym typeface="Wingdings" panose="05000000000000000000" pitchFamily="2" charset="2"/>
+              </a:rPr>
+              <a:t>                    </a:t>
+            </a:r>
+            <a:r>
+              <a:rPr lang="en-IN" dirty="0">
+                <a:sym typeface="Wingdings" panose="05000000000000000000" pitchFamily="2" charset="2"/>
+              </a:rPr>
+              <a:t>- </a:t>
+            </a:r>
+            <a:r>
+              <a:rPr lang="en-US" dirty="0">
+                <a:sym typeface="Wingdings" panose="05000000000000000000" pitchFamily="2" charset="2"/>
+              </a:rPr>
+              <a:t>I designed the whole structure of the Project for proper and smooth functioning.</a:t>
+            </a:r>
+            <a:endParaRPr lang="en-IN" dirty="0">
+              <a:sym typeface="Wingdings" panose="05000000000000000000" pitchFamily="2" charset="2"/>
+            </a:endParaRPr>
+          </a:p>
+          <a:p>
+            <a:r>
+              <a:rPr lang="en-IN" dirty="0">
+                <a:sym typeface="Wingdings" panose="05000000000000000000" pitchFamily="2" charset="2"/>
+              </a:rPr>
+              <a:t>                        - </a:t>
+            </a:r>
+            <a:r>
+              <a:rPr lang="en-US" dirty="0">
+                <a:sym typeface="Wingdings" panose="05000000000000000000" pitchFamily="2" charset="2"/>
+              </a:rPr>
+              <a:t>I distributed specific roles to each collaborator so that we always work in sync.</a:t>
+            </a:r>
+            <a:endParaRPr lang="en-IN" dirty="0">
+              <a:sym typeface="Wingdings" panose="05000000000000000000" pitchFamily="2" charset="2"/>
+            </a:endParaRPr>
+          </a:p>
+          <a:p>
+            <a:pPr marL="285750" indent="-285750">
+              <a:buFont typeface="Wingdings" panose="05000000000000000000" pitchFamily="2" charset="2"/>
+              <a:buChar char="à"/>
+            </a:pPr>
+            <a:r>
+              <a:rPr lang="en-IN" dirty="0">
+                <a:latin typeface="Bahnschrift Light" panose="020B0502040204020203" pitchFamily="34" charset="0"/>
+                <a:sym typeface="Wingdings" panose="05000000000000000000" pitchFamily="2" charset="2"/>
+              </a:rPr>
+              <a:t>Implementing The UI Classes,</a:t>
+            </a:r>
+          </a:p>
+          <a:p>
+            <a:r>
+              <a:rPr lang="en-IN" dirty="0">
+                <a:latin typeface="Bahnschrift Light" panose="020B0502040204020203" pitchFamily="34" charset="0"/>
+              </a:rPr>
+              <a:t>                    </a:t>
             </a:r>
             <a:r>
               <a:rPr lang="en-IN" dirty="0"/>
-              <a:t>Economy Data Visualization</a:t>
-            </a:r>
-          </a:p>
-          <a:p>
-            <a:pPr marL="0" indent="0">
-              <a:buNone/>
+              <a:t>- </a:t>
+            </a:r>
+            <a:r>
+              <a:rPr lang="en-US" dirty="0"/>
+              <a:t>I implemented the classes which make User Interaction easy and smooth. It includes the</a:t>
+            </a:r>
+          </a:p>
+          <a:p>
+            <a:r>
+              <a:rPr lang="en-US" dirty="0"/>
+              <a:t>                           following classes:</a:t>
+            </a:r>
+          </a:p>
+          <a:p>
+            <a:r>
+              <a:rPr lang="en-US" dirty="0"/>
+              <a:t>                                                      a)Economy Data visualization Class,</a:t>
+            </a:r>
+          </a:p>
+          <a:p>
+            <a:r>
+              <a:rPr lang="en-US" dirty="0"/>
+              <a:t>                                                      b) Plot Chart Class,</a:t>
+            </a:r>
+          </a:p>
+          <a:p>
+            <a:r>
+              <a:rPr lang="en-US" dirty="0"/>
+              <a:t>                                                      c)Handle Update Class.</a:t>
+            </a:r>
+          </a:p>
+          <a:p>
+            <a:pPr marL="285750" indent="-285750">
+              <a:buFont typeface="Wingdings" panose="05000000000000000000" pitchFamily="2" charset="2"/>
+              <a:buChar char="à"/>
             </a:pPr>
             <a:r>
-              <a:rPr lang="en-IN" dirty="0"/>
-              <a:t>	-Array Of Country Object</a:t>
-            </a:r>
-          </a:p>
-          <a:p>
-            <a:pPr marL="0" indent="0">
-              <a:buNone/>
-            </a:pPr>
-            <a:r>
-              <a:rPr lang="en-IN" dirty="0"/>
-              <a:t>	-Function to take input from csv, implement database</a:t>
-            </a:r>
-          </a:p>
-          <a:p>
-            <a:pPr marL="0" indent="0">
-              <a:buNone/>
-            </a:pPr>
-            <a:r>
-              <a:rPr lang="en-IN" dirty="0"/>
-              <a:t>	-Implement GUI </a:t>
-            </a:r>
-          </a:p>
-          <a:p>
-            <a:pPr marL="0" indent="0">
-              <a:buNone/>
-            </a:pPr>
-            <a:r>
-              <a:rPr lang="en-IN" dirty="0"/>
-              <a:t>	-Function to Plots Graph for various parameters at different intervals of Time.</a:t>
-            </a:r>
-          </a:p>
-          <a:p>
-            <a:pPr marL="0" indent="0">
-              <a:buNone/>
-            </a:pPr>
-            <a:r>
-              <a:rPr lang="en-IN" dirty="0"/>
-              <a:t>	-Methods to take input from user to update database</a:t>
-            </a:r>
-          </a:p>
-          <a:p>
-            <a:pPr marL="0" indent="0">
-              <a:buNone/>
-            </a:pPr>
-            <a:r>
-              <a:rPr lang="en-IN" dirty="0"/>
-              <a:t>	-Functions of Searching and Sorting.</a:t>
-            </a:r>
+              <a:rPr lang="en-US" dirty="0">
+                <a:latin typeface="Bahnschrift Light" panose="020B0502040204020203" pitchFamily="34" charset="0"/>
+                <a:sym typeface="Wingdings" panose="05000000000000000000" pitchFamily="2" charset="2"/>
+              </a:rPr>
+              <a:t>Integrating ,</a:t>
+            </a:r>
+          </a:p>
+          <a:p>
+            <a:r>
+              <a:rPr lang="en-US" dirty="0">
+                <a:sym typeface="Wingdings" panose="05000000000000000000" pitchFamily="2" charset="2"/>
+              </a:rPr>
+              <a:t>                       -  Our project was divided in 3 things:</a:t>
+            </a:r>
+          </a:p>
+          <a:p>
+            <a:r>
+              <a:rPr lang="en-US" dirty="0">
+                <a:sym typeface="Wingdings" panose="05000000000000000000" pitchFamily="2" charset="2"/>
+              </a:rPr>
+              <a:t>                                                           a)Database Handling	</a:t>
+            </a:r>
+          </a:p>
+          <a:p>
+            <a:r>
+              <a:rPr lang="en-US" dirty="0">
+                <a:sym typeface="Wingdings" panose="05000000000000000000" pitchFamily="2" charset="2"/>
+              </a:rPr>
+              <a:t>                                                           b)Graph Plotting	</a:t>
+            </a:r>
+          </a:p>
+          <a:p>
+            <a:r>
+              <a:rPr lang="en-US" dirty="0">
+                <a:sym typeface="Wingdings" panose="05000000000000000000" pitchFamily="2" charset="2"/>
+              </a:rPr>
+              <a:t>                                                           c)Objects with Functions to handle data</a:t>
+            </a:r>
+          </a:p>
+          <a:p>
+            <a:r>
+              <a:rPr lang="en-US" dirty="0">
+                <a:sym typeface="Wingdings" panose="05000000000000000000" pitchFamily="2" charset="2"/>
+              </a:rPr>
+              <a:t>---My main purpose was to integrate all these 3 sections so that these different subdomains can work  together in sync.</a:t>
+            </a:r>
+            <a:endParaRPr lang="en-IN" dirty="0"/>
           </a:p>
         </p:txBody>
       </p:sp>
     </p:spTree>
     <p:extLst>
       <p:ext uri="{BB962C8B-B14F-4D97-AF65-F5344CB8AC3E}">
-        <p14:creationId xmlns:p14="http://schemas.microsoft.com/office/powerpoint/2010/main" val="1150484880"/>
+        <p14:creationId xmlns:p14="http://schemas.microsoft.com/office/powerpoint/2010/main" val="1216777614"/>
       </p:ext>
     </p:extLst>
   </p:cSld>
@@ -7028,76 +7006,150 @@
       </p:grpSpPr>
       <p:sp>
         <p:nvSpPr>
-          <p:cNvPr id="2" name="Title 1">
+          <p:cNvPr id="2" name="TextBox 1">
             <a:extLst>
               <a:ext uri="{FF2B5EF4-FFF2-40B4-BE49-F238E27FC236}">
-                <a16:creationId xmlns:a16="http://schemas.microsoft.com/office/drawing/2014/main" id="{8CC4F131-68C9-7331-B804-5651A3233051}"/>
+                <a16:creationId xmlns:a16="http://schemas.microsoft.com/office/drawing/2014/main" id="{887175B6-8A82-E3BA-9AC5-651D75740FD8}"/>
               </a:ext>
             </a:extLst>
           </p:cNvPr>
-          <p:cNvSpPr>
-            <a:spLocks noGrp="1"/>
-          </p:cNvSpPr>
-          <p:nvPr>
-            <p:ph type="title"/>
-          </p:nvPr>
+          <p:cNvSpPr txBox="1"/>
+          <p:nvPr/>
         </p:nvSpPr>
         <p:spPr>
           <a:xfrm>
-            <a:off x="685801" y="390526"/>
-            <a:ext cx="10131425" cy="666750"/>
+            <a:off x="359814" y="693831"/>
+            <a:ext cx="10692881" cy="3139321"/>
           </a:xfrm>
+          <a:prstGeom prst="rect">
+            <a:avLst/>
+          </a:prstGeom>
+          <a:noFill/>
         </p:spPr>
         <p:txBody>
-          <a:bodyPr/>
+          <a:bodyPr wrap="square" rtlCol="0">
+            <a:spAutoFit/>
+          </a:bodyPr>
           <a:lstStyle/>
           <a:p>
-            <a:pPr algn="ctr"/>
-            <a:r>
-              <a:rPr lang="en-IN" b="1" u="sng" dirty="0">
-                <a:solidFill>
-                  <a:srgbClr val="FFFF00"/>
-                </a:solidFill>
-                <a:latin typeface="Arial Rounded MT Bold" panose="020F0704030504030204" pitchFamily="34" charset="0"/>
+            <a:pPr marL="0" indent="0">
+              <a:buNone/>
+            </a:pPr>
+            <a:r>
+              <a:rPr lang="en-IN" dirty="0">
+                <a:latin typeface="Microsoft YaHei UI Light" panose="020B0502040204020203" pitchFamily="34" charset="-122"/>
+                <a:ea typeface="Microsoft YaHei UI Light" panose="020B0502040204020203" pitchFamily="34" charset="-122"/>
               </a:rPr>
-              <a:t>Uml diagram of project</a:t>
-            </a:r>
-          </a:p>
-        </p:txBody>
-      </p:sp>
-      <p:pic>
-        <p:nvPicPr>
-          <p:cNvPr id="7" name="Content Placeholder 6">
-            <a:extLst>
-              <a:ext uri="{FF2B5EF4-FFF2-40B4-BE49-F238E27FC236}">
-                <a16:creationId xmlns:a16="http://schemas.microsoft.com/office/drawing/2014/main" id="{89AEB1C1-B34B-50A7-4D77-805E6E49D8C5}"/>
-              </a:ext>
-            </a:extLst>
-          </p:cNvPr>
-          <p:cNvPicPr>
-            <a:picLocks noGrp="1" noChangeAspect="1"/>
-          </p:cNvPicPr>
-          <p:nvPr>
-            <p:ph idx="1"/>
-          </p:nvPr>
-        </p:nvPicPr>
-        <p:blipFill>
-          <a:blip r:embed="rId2"/>
-          <a:stretch>
-            <a:fillRect/>
-          </a:stretch>
-        </p:blipFill>
-        <p:spPr>
-          <a:xfrm>
-            <a:off x="214604" y="1156996"/>
-            <a:ext cx="11777873" cy="5665452"/>
-          </a:xfrm>
-        </p:spPr>
-      </p:pic>
+              <a:t>2) </a:t>
+            </a:r>
+            <a:r>
+              <a:rPr lang="en-IN" b="1" dirty="0">
+                <a:latin typeface="Microsoft YaHei UI Light" panose="020B0502040204020203" pitchFamily="34" charset="-122"/>
+                <a:ea typeface="Microsoft YaHei UI Light" panose="020B0502040204020203" pitchFamily="34" charset="-122"/>
+              </a:rPr>
+              <a:t>PARTH BHANDARI </a:t>
+            </a:r>
+            <a:r>
+              <a:rPr lang="en-IN" dirty="0"/>
+              <a:t>(S20210010170)</a:t>
+            </a:r>
+          </a:p>
+          <a:p>
+            <a:pPr marL="0" indent="0">
+              <a:buNone/>
+            </a:pPr>
+            <a:r>
+              <a:rPr lang="en-IN" dirty="0"/>
+              <a:t>	</a:t>
+            </a:r>
+          </a:p>
+          <a:p>
+            <a:pPr marL="285750" indent="-285750">
+              <a:buFont typeface="Wingdings" panose="05000000000000000000" pitchFamily="2" charset="2"/>
+              <a:buChar char="à"/>
+            </a:pPr>
+            <a:r>
+              <a:rPr lang="en-IN" dirty="0">
+                <a:latin typeface="Bahnschrift Light" panose="020B0502040204020203" pitchFamily="34" charset="0"/>
+              </a:rPr>
+              <a:t>GRAPH PLOTTING SCHEMA,</a:t>
+            </a:r>
+          </a:p>
+          <a:p>
+            <a:r>
+              <a:rPr lang="en-IN" dirty="0"/>
+              <a:t>                - Using Jfree chart and Swing for implementing Bar graph and Line chart.</a:t>
+            </a:r>
+          </a:p>
+          <a:p>
+            <a:r>
+              <a:rPr lang="en-IN" dirty="0"/>
+              <a:t>                - Modifying Dataset to implement comparisons.</a:t>
+            </a:r>
+          </a:p>
+          <a:p>
+            <a:r>
+              <a:rPr lang="en-IN" dirty="0"/>
+              <a:t>                - Implementing the graph plots for Import, Export, and Tax revenue for a specific GDP.</a:t>
+            </a:r>
+          </a:p>
+          <a:p>
+            <a:r>
+              <a:rPr lang="en-IN" dirty="0"/>
+              <a:t>                - Updating the plot name and </a:t>
+            </a:r>
+            <a:r>
+              <a:rPr lang="en-US" dirty="0"/>
+              <a:t>description on the basis of provided data.</a:t>
+            </a:r>
+          </a:p>
+          <a:p>
+            <a:endParaRPr lang="en-US" dirty="0">
+              <a:latin typeface="Bahnschrift Light" panose="020B0502040204020203" pitchFamily="34" charset="0"/>
+            </a:endParaRPr>
+          </a:p>
+          <a:p>
+            <a:pPr marL="285750" indent="-285750">
+              <a:buFont typeface="Wingdings" panose="05000000000000000000" pitchFamily="2" charset="2"/>
+              <a:buChar char="à"/>
+            </a:pPr>
+            <a:r>
+              <a:rPr lang="en-US" dirty="0">
+                <a:latin typeface="Bahnschrift Light" panose="020B0502040204020203" pitchFamily="34" charset="0"/>
+                <a:sym typeface="Wingdings" panose="05000000000000000000" pitchFamily="2" charset="2"/>
+              </a:rPr>
+              <a:t>GENERIC CLASS IMPLEMENTATION,</a:t>
+            </a:r>
+          </a:p>
+          <a:p>
+            <a:r>
+              <a:rPr lang="en-US" dirty="0">
+                <a:sym typeface="Wingdings" panose="05000000000000000000" pitchFamily="2" charset="2"/>
+              </a:rPr>
+              <a:t>                 -Problems faced in typecasting subclass as superclass (in method parameter).</a:t>
+            </a:r>
+            <a:endParaRPr lang="en-IN" dirty="0"/>
+          </a:p>
+          <a:p>
+            <a:pPr marL="0" indent="0">
+              <a:buNone/>
+            </a:pPr>
+            <a:r>
+              <a:rPr lang="en-IN" dirty="0"/>
+              <a:t>	        - </a:t>
+            </a:r>
+            <a:r>
+              <a:rPr lang="en-US" dirty="0"/>
+              <a:t>Solution of above problem using Generic classes(Wildcards).</a:t>
+            </a:r>
+            <a:endParaRPr lang="en-IN" dirty="0"/>
+          </a:p>
+        </p:txBody>
+      </p:sp>
     </p:spTree>
     <p:extLst>
       <p:ext uri="{BB962C8B-B14F-4D97-AF65-F5344CB8AC3E}">
-        <p14:creationId xmlns:p14="http://schemas.microsoft.com/office/powerpoint/2010/main" val="1200283913"/>
+        <p14:creationId xmlns:p14="http://schemas.microsoft.com/office/powerpoint/2010/main" val="3394874710"/>
       </p:ext>
     </p:extLst>
   </p:cSld>
@@ -7126,78 +7178,142 @@
       </p:grpSpPr>
       <p:sp>
         <p:nvSpPr>
-          <p:cNvPr id="2" name="Title 1">
+          <p:cNvPr id="2" name="TextBox 1">
             <a:extLst>
               <a:ext uri="{FF2B5EF4-FFF2-40B4-BE49-F238E27FC236}">
-                <a16:creationId xmlns:a16="http://schemas.microsoft.com/office/drawing/2014/main" id="{2B1BE8EF-84FE-85BE-7417-4F4B8CB042C3}"/>
+                <a16:creationId xmlns:a16="http://schemas.microsoft.com/office/drawing/2014/main" id="{FEC57A27-8C73-11DD-1204-9F861D6D896E}"/>
               </a:ext>
             </a:extLst>
           </p:cNvPr>
-          <p:cNvSpPr>
-            <a:spLocks noGrp="1"/>
-          </p:cNvSpPr>
-          <p:nvPr>
-            <p:ph type="title"/>
-          </p:nvPr>
-        </p:nvSpPr>
-        <p:spPr/>
-        <p:txBody>
-          <a:bodyPr/>
+          <p:cNvSpPr txBox="1"/>
+          <p:nvPr/>
+        </p:nvSpPr>
+        <p:spPr>
+          <a:xfrm>
+            <a:off x="169480" y="532611"/>
+            <a:ext cx="11897602" cy="3139321"/>
+          </a:xfrm>
+          <a:prstGeom prst="rect">
+            <a:avLst/>
+          </a:prstGeom>
+          <a:noFill/>
+        </p:spPr>
+        <p:txBody>
+          <a:bodyPr wrap="square" rtlCol="0">
+            <a:spAutoFit/>
+          </a:bodyPr>
           <a:lstStyle/>
           <a:p>
+            <a:pPr marL="0" indent="0">
+              <a:buNone/>
+            </a:pPr>
+            <a:r>
+              <a:rPr lang="en-IN" b="1" dirty="0">
+                <a:latin typeface="Bahnschrift Light" panose="020B0502040204020203" pitchFamily="34" charset="0"/>
+              </a:rPr>
+              <a:t>3) </a:t>
+            </a:r>
+            <a:r>
+              <a:rPr lang="en-IN" b="1" dirty="0">
+                <a:latin typeface="Microsoft YaHei UI Light" panose="020B0502040204020203" pitchFamily="34" charset="-122"/>
+                <a:ea typeface="Microsoft YaHei UI Light" panose="020B0502040204020203" pitchFamily="34" charset="-122"/>
+              </a:rPr>
+              <a:t>PRATYUSH SINGH</a:t>
+            </a:r>
             <a:r>
               <a:rPr lang="en-IN" dirty="0">
-                <a:solidFill>
-                  <a:srgbClr val="FFFF00"/>
-                </a:solidFill>
-                <a:latin typeface="Arial Rounded MT Bold" panose="020F0704030504030204" pitchFamily="34" charset="0"/>
+                <a:latin typeface="Microsoft YaHei UI Light" panose="020B0502040204020203" pitchFamily="34" charset="-122"/>
+                <a:ea typeface="Microsoft YaHei UI Light" panose="020B0502040204020203" pitchFamily="34" charset="-122"/>
               </a:rPr>
-              <a:t>Team Members and their roles</a:t>
-            </a:r>
-          </a:p>
-        </p:txBody>
-      </p:sp>
-      <p:sp>
-        <p:nvSpPr>
-          <p:cNvPr id="3" name="Content Placeholder 2">
-            <a:extLst>
-              <a:ext uri="{FF2B5EF4-FFF2-40B4-BE49-F238E27FC236}">
-                <a16:creationId xmlns:a16="http://schemas.microsoft.com/office/drawing/2014/main" id="{92AEBAD7-EC8B-8AFB-9C47-91D66E3ED5E6}"/>
-              </a:ext>
-            </a:extLst>
-          </p:cNvPr>
-          <p:cNvSpPr>
-            <a:spLocks noGrp="1"/>
-          </p:cNvSpPr>
-          <p:nvPr>
-            <p:ph idx="1"/>
-          </p:nvPr>
-        </p:nvSpPr>
-        <p:spPr/>
-        <p:txBody>
-          <a:bodyPr/>
-          <a:lstStyle/>
+              <a:t> </a:t>
+            </a:r>
+            <a:r>
+              <a:rPr lang="en-IN" dirty="0"/>
+              <a:t>(S20210010183)</a:t>
+            </a:r>
+          </a:p>
           <a:p>
             <a:pPr marL="0" indent="0">
               <a:buNone/>
             </a:pPr>
-            <a:r>
-              <a:rPr lang="en-IN" b="1" dirty="0"/>
-              <a:t>-&gt;</a:t>
-            </a:r>
+            <a:endParaRPr lang="en-IN" dirty="0"/>
+          </a:p>
+          <a:p>
+            <a:pPr marL="0" indent="0">
+              <a:buNone/>
+            </a:pPr>
+            <a:r>
+              <a:rPr lang="en-IN" dirty="0">
+                <a:sym typeface="Wingdings" panose="05000000000000000000" pitchFamily="2" charset="2"/>
+              </a:rPr>
+              <a:t> </a:t>
+            </a:r>
+            <a:r>
+              <a:rPr lang="en-IN" dirty="0">
+                <a:latin typeface="Bahnschrift Light" panose="020B0502040204020203" pitchFamily="34" charset="0"/>
+                <a:sym typeface="Wingdings" panose="05000000000000000000" pitchFamily="2" charset="2"/>
+              </a:rPr>
+              <a:t>Handling Database Implementation,</a:t>
+            </a:r>
+          </a:p>
+          <a:p>
+            <a:pPr marL="0" indent="0">
+              <a:buNone/>
+            </a:pPr>
             <a:r>
               <a:rPr lang="en-IN" dirty="0"/>
-              <a:t> </a:t>
-            </a:r>
+              <a:t>                              - </a:t>
+            </a:r>
+            <a:r>
+              <a:rPr lang="en-US" dirty="0"/>
+              <a:t>My work was establishing a connection between our  project and MySQL and managing DB credentials.</a:t>
+            </a:r>
+          </a:p>
+          <a:p>
+            <a:pPr marL="0" indent="0">
+              <a:buNone/>
+            </a:pPr>
+            <a:r>
+              <a:rPr lang="en-US" dirty="0"/>
+              <a:t>                              - Creation of DB schema and Tables with all the necessary columns.</a:t>
+            </a:r>
+            <a:r>
+              <a:rPr lang="en-IN" dirty="0"/>
+              <a:t>  </a:t>
+            </a:r>
+          </a:p>
+          <a:p>
+            <a:pPr marL="0" indent="0">
+              <a:buNone/>
+            </a:pPr>
             <a:r>
               <a:rPr lang="en-IN" dirty="0">
-                <a:latin typeface="Monotype Corsiva" panose="03010101010201010101" pitchFamily="66" charset="0"/>
+                <a:sym typeface="Wingdings" panose="05000000000000000000" pitchFamily="2" charset="2"/>
               </a:rPr>
-              <a:t>Aarav Nigam </a:t>
-            </a:r>
+              <a:t> </a:t>
+            </a:r>
+            <a:r>
+              <a:rPr lang="en-IN" dirty="0">
+                <a:latin typeface="Bahnschrift Light" panose="020B0502040204020203" pitchFamily="34" charset="0"/>
+                <a:sym typeface="Wingdings" panose="05000000000000000000" pitchFamily="2" charset="2"/>
+              </a:rPr>
+              <a:t>Handling Data Import from CSV files,</a:t>
+            </a:r>
+            <a:endParaRPr lang="en-IN" dirty="0">
+              <a:latin typeface="Bahnschrift Light" panose="020B0502040204020203" pitchFamily="34" charset="0"/>
+            </a:endParaRPr>
+          </a:p>
+          <a:p>
+            <a:pPr marL="0" indent="0">
+              <a:buNone/>
+            </a:pPr>
             <a:r>
               <a:rPr lang="en-IN" dirty="0"/>
-              <a:t>(S20210010002)</a:t>
+              <a:t>                              - </a:t>
+            </a:r>
+            <a:r>
+              <a:rPr lang="en-US" dirty="0"/>
+              <a:t>Inserting data from CSV FILES using Prepared Statement Class.</a:t>
             </a:r>
           </a:p>
           <a:p>
@@ -7205,8 +7321,21 @@
               <a:buNone/>
             </a:pPr>
             <a:r>
+              <a:rPr lang="en-US" dirty="0"/>
+              <a:t>                              - It also involved extracting data from MySQL in all necessary formats required by other team members to</a:t>
+            </a:r>
+          </a:p>
+          <a:p>
+            <a:pPr marL="0" indent="0">
+              <a:buNone/>
+            </a:pPr>
+            <a:r>
+              <a:rPr lang="en-US" dirty="0"/>
+              <a:t>                                work with.</a:t>
+            </a:r>
+            <a:r>
               <a:rPr lang="en-IN" dirty="0"/>
-              <a:t>	-Database Implementation</a:t>
+              <a:t>  </a:t>
             </a:r>
           </a:p>
           <a:p>
@@ -7214,71 +7343,39 @@
               <a:buNone/>
             </a:pPr>
             <a:r>
+              <a:rPr lang="en-IN" dirty="0">
+                <a:latin typeface="Bahnschrift Light" panose="020B0502040204020203" pitchFamily="34" charset="0"/>
+                <a:sym typeface="Wingdings" panose="05000000000000000000" pitchFamily="2" charset="2"/>
+              </a:rPr>
+              <a:t> Implementing Functions to Update Data</a:t>
+            </a:r>
+            <a:r>
+              <a:rPr lang="en-IN" dirty="0">
+                <a:latin typeface="Bahnschrift Light" panose="020B0502040204020203" pitchFamily="34" charset="0"/>
+              </a:rPr>
+              <a:t>    </a:t>
+            </a:r>
+          </a:p>
+          <a:p>
+            <a:pPr marL="0" indent="0">
+              <a:buNone/>
+            </a:pPr>
+            <a:r>
               <a:rPr lang="en-IN" dirty="0"/>
-              <a:t>	-GUI and Graph Plotting</a:t>
-            </a:r>
-          </a:p>
-          <a:p>
-            <a:pPr marL="0" indent="0">
-              <a:buNone/>
-            </a:pPr>
-            <a:r>
-              <a:rPr lang="en-IN" dirty="0"/>
-              <a:t>	-Implementation Of Data-Visualization Class</a:t>
-            </a:r>
-          </a:p>
-          <a:p>
-            <a:pPr marL="0" indent="0">
-              <a:buNone/>
-            </a:pPr>
-            <a:r>
-              <a:rPr lang="en-IN" b="1" dirty="0"/>
-              <a:t>-&gt; </a:t>
-            </a:r>
-            <a:r>
-              <a:rPr lang="en-IN" dirty="0">
-                <a:latin typeface="Monotype Corsiva" panose="03010101010201010101" pitchFamily="66" charset="0"/>
-              </a:rPr>
-              <a:t>Parth Bhandari </a:t>
-            </a:r>
-            <a:r>
-              <a:rPr lang="en-IN" dirty="0"/>
-              <a:t>(S20210010170)</a:t>
-            </a:r>
-          </a:p>
-          <a:p>
-            <a:pPr marL="0" indent="0">
-              <a:buNone/>
-            </a:pPr>
-            <a:r>
-              <a:rPr lang="en-IN" dirty="0"/>
-              <a:t>	-GUI and Graph Plotting</a:t>
-            </a:r>
-          </a:p>
-          <a:p>
-            <a:pPr marL="0" indent="0">
-              <a:buNone/>
-            </a:pPr>
-            <a:r>
-              <a:rPr lang="en-IN" dirty="0"/>
-              <a:t>	-Schema Structuring</a:t>
-            </a:r>
-          </a:p>
-          <a:p>
-            <a:pPr marL="0" indent="0">
-              <a:buNone/>
-            </a:pPr>
-            <a:r>
-              <a:rPr lang="en-IN" dirty="0"/>
-              <a:t>	-Implementing Searching and Sorting Functions</a:t>
-            </a:r>
+              <a:t>                              - </a:t>
+            </a:r>
+            <a:r>
+              <a:rPr lang="en-US" dirty="0"/>
+              <a:t>Updating Classes and DB tables.                             </a:t>
+            </a:r>
+            <a:endParaRPr lang="en-IN" dirty="0"/>
           </a:p>
         </p:txBody>
       </p:sp>
     </p:spTree>
     <p:extLst>
       <p:ext uri="{BB962C8B-B14F-4D97-AF65-F5344CB8AC3E}">
-        <p14:creationId xmlns:p14="http://schemas.microsoft.com/office/powerpoint/2010/main" val="2541206612"/>
+        <p14:creationId xmlns:p14="http://schemas.microsoft.com/office/powerpoint/2010/main" val="3380472625"/>
       </p:ext>
     </p:extLst>
   </p:cSld>
@@ -7307,92 +7404,55 @@
       </p:grpSpPr>
       <p:sp>
         <p:nvSpPr>
-          <p:cNvPr id="3" name="Content Placeholder 2">
+          <p:cNvPr id="2" name="TextBox 1">
             <a:extLst>
               <a:ext uri="{FF2B5EF4-FFF2-40B4-BE49-F238E27FC236}">
-                <a16:creationId xmlns:a16="http://schemas.microsoft.com/office/drawing/2014/main" id="{6D107091-9B09-251C-5626-E58CB530B09E}"/>
+                <a16:creationId xmlns:a16="http://schemas.microsoft.com/office/drawing/2014/main" id="{E27FAD3A-A811-3835-AD90-48F674FED3B5}"/>
               </a:ext>
             </a:extLst>
           </p:cNvPr>
-          <p:cNvSpPr>
-            <a:spLocks noGrp="1"/>
-          </p:cNvSpPr>
-          <p:nvPr>
-            <p:ph idx="1"/>
-          </p:nvPr>
+          <p:cNvSpPr txBox="1"/>
+          <p:nvPr/>
         </p:nvSpPr>
         <p:spPr>
           <a:xfrm>
-            <a:off x="685801" y="904875"/>
-            <a:ext cx="10131425" cy="4886325"/>
+            <a:off x="821094" y="830423"/>
+            <a:ext cx="11271379" cy="2893100"/>
           </a:xfrm>
+          <a:prstGeom prst="rect">
+            <a:avLst/>
+          </a:prstGeom>
+          <a:noFill/>
         </p:spPr>
         <p:txBody>
-          <a:bodyPr/>
+          <a:bodyPr wrap="square" rtlCol="0">
+            <a:spAutoFit/>
+          </a:bodyPr>
           <a:lstStyle/>
           <a:p>
             <a:pPr marL="0" indent="0">
               <a:buNone/>
             </a:pPr>
             <a:r>
-              <a:rPr lang="en-IN" b="1" dirty="0"/>
-              <a:t>-&gt;</a:t>
-            </a:r>
-            <a:r>
-              <a:rPr lang="en-IN" dirty="0"/>
-              <a:t> </a:t>
-            </a:r>
-            <a:r>
               <a:rPr lang="en-IN" dirty="0">
-                <a:latin typeface="Monotype Corsiva" panose="03010101010201010101" pitchFamily="66" charset="0"/>
+                <a:latin typeface="Microsoft YaHei UI Light" panose="020B0502040204020203" pitchFamily="34" charset="-122"/>
+                <a:ea typeface="Microsoft YaHei UI Light" panose="020B0502040204020203" pitchFamily="34" charset="-122"/>
               </a:rPr>
-              <a:t>Pratyush Singh </a:t>
-            </a:r>
-            <a:r>
-              <a:rPr lang="en-IN" dirty="0"/>
-              <a:t>(S20210010183)</a:t>
-            </a:r>
-          </a:p>
-          <a:p>
-            <a:pPr marL="0" indent="0">
-              <a:buNone/>
-            </a:pPr>
-            <a:r>
-              <a:rPr lang="en-IN" dirty="0"/>
-              <a:t>	-Handling Database Implementation</a:t>
-            </a:r>
-          </a:p>
-          <a:p>
-            <a:pPr marL="0" indent="0">
-              <a:buNone/>
-            </a:pPr>
-            <a:r>
-              <a:rPr lang="en-IN" dirty="0"/>
-              <a:t>	-Handling Data Import from CSV files </a:t>
-            </a:r>
-          </a:p>
-          <a:p>
-            <a:pPr marL="0" indent="0">
-              <a:buNone/>
-            </a:pPr>
-            <a:r>
-              <a:rPr lang="en-IN" dirty="0"/>
-              <a:t>	-Implementing functions to Update Data</a:t>
-            </a:r>
-          </a:p>
-          <a:p>
-            <a:pPr marL="0" indent="0">
-              <a:buNone/>
-            </a:pPr>
-            <a:r>
-              <a:rPr lang="en-IN" b="1" dirty="0"/>
-              <a:t>-&gt; </a:t>
-            </a:r>
-            <a:r>
-              <a:rPr lang="en-IN" dirty="0">
-                <a:latin typeface="Monotype Corsiva" panose="03010101010201010101" pitchFamily="66" charset="0"/>
+              <a:t>4) </a:t>
+            </a:r>
+            <a:r>
+              <a:rPr lang="en-IN" sz="2000" b="1" dirty="0" err="1">
+                <a:latin typeface="Microsoft YaHei UI Light" panose="020B0502040204020203" pitchFamily="34" charset="-122"/>
+                <a:ea typeface="Microsoft YaHei UI Light" panose="020B0502040204020203" pitchFamily="34" charset="-122"/>
               </a:rPr>
-              <a:t>Mohd Rizwan </a:t>
+              <a:t>Mohd</a:t>
+            </a:r>
+            <a:r>
+              <a:rPr lang="en-IN" sz="2000" b="1" dirty="0">
+                <a:latin typeface="Microsoft YaHei UI Light" panose="020B0502040204020203" pitchFamily="34" charset="-122"/>
+                <a:ea typeface="Microsoft YaHei UI Light" panose="020B0502040204020203" pitchFamily="34" charset="-122"/>
+              </a:rPr>
+              <a:t>. Rizwan </a:t>
             </a:r>
             <a:r>
               <a:rPr lang="en-IN" dirty="0"/>
@@ -7405,7 +7465,7 @@
             </a:pPr>
             <a:r>
               <a:rPr lang="en-IN" dirty="0"/>
-              <a:t>	-Handling all Packages</a:t>
+              <a:t>	</a:t>
             </a:r>
           </a:p>
           <a:p>
@@ -7413,8 +7473,109 @@
               <a:buNone/>
             </a:pPr>
             <a:r>
+              <a:rPr lang="en-IN" dirty="0">
+                <a:sym typeface="Wingdings" panose="05000000000000000000" pitchFamily="2" charset="2"/>
+              </a:rPr>
+              <a:t> </a:t>
+            </a:r>
+            <a:r>
+              <a:rPr lang="en-IN" dirty="0">
+                <a:latin typeface="Bahnschrift Light" panose="020B0502040204020203" pitchFamily="34" charset="0"/>
+                <a:ea typeface="Microsoft YaHei UI Light" panose="020B0502040204020203" pitchFamily="34" charset="-122"/>
+                <a:sym typeface="Wingdings" panose="05000000000000000000" pitchFamily="2" charset="2"/>
+              </a:rPr>
+              <a:t>Managing Packages,</a:t>
+            </a:r>
+          </a:p>
+          <a:p>
+            <a:pPr marL="0" indent="0">
+              <a:buNone/>
+            </a:pPr>
+            <a:r>
+              <a:rPr lang="en-IN" dirty="0">
+                <a:sym typeface="Wingdings" panose="05000000000000000000" pitchFamily="2" charset="2"/>
+              </a:rPr>
+              <a:t>                    - </a:t>
+            </a:r>
+            <a:r>
+              <a:rPr lang="en-US" dirty="0">
+                <a:sym typeface="Wingdings" panose="05000000000000000000" pitchFamily="2" charset="2"/>
+              </a:rPr>
+              <a:t>Made two Packages Assets Indicators And development Indicators</a:t>
+            </a:r>
+            <a:r>
+              <a:rPr lang="en-IN" dirty="0">
+                <a:sym typeface="Wingdings" panose="05000000000000000000" pitchFamily="2" charset="2"/>
+              </a:rPr>
+              <a:t>. These are some parameters which  </a:t>
+            </a:r>
+          </a:p>
+          <a:p>
+            <a:pPr marL="0" indent="0">
+              <a:buNone/>
+            </a:pPr>
+            <a:r>
+              <a:rPr lang="en-IN" dirty="0">
+                <a:sym typeface="Wingdings" panose="05000000000000000000" pitchFamily="2" charset="2"/>
+              </a:rPr>
+              <a:t>                       determine country economy.</a:t>
+            </a:r>
+          </a:p>
+          <a:p>
+            <a:pPr marL="0" indent="0">
+              <a:buNone/>
+            </a:pPr>
+            <a:r>
+              <a:rPr lang="en-IN" dirty="0">
+                <a:sym typeface="Wingdings" panose="05000000000000000000" pitchFamily="2" charset="2"/>
+              </a:rPr>
+              <a:t>                    - </a:t>
+            </a:r>
+            <a:r>
+              <a:rPr lang="en-US" dirty="0">
+                <a:sym typeface="Wingdings" panose="05000000000000000000" pitchFamily="2" charset="2"/>
+              </a:rPr>
+              <a:t>Made Three Interfaces and Implementing in a different packages.</a:t>
+            </a:r>
+          </a:p>
+          <a:p>
+            <a:pPr marL="0" indent="0">
+              <a:buNone/>
+            </a:pPr>
+            <a:r>
+              <a:rPr lang="en-US" dirty="0">
+                <a:sym typeface="Wingdings" panose="05000000000000000000" pitchFamily="2" charset="2"/>
+              </a:rPr>
+              <a:t> </a:t>
+            </a:r>
+            <a:r>
+              <a:rPr lang="en-US" dirty="0">
+                <a:latin typeface="Bahnschrift Light" panose="020B0502040204020203" pitchFamily="34" charset="0"/>
+                <a:sym typeface="Wingdings" panose="05000000000000000000" pitchFamily="2" charset="2"/>
+              </a:rPr>
+              <a:t>Creating major Classes and Functions</a:t>
+            </a:r>
+            <a:r>
+              <a:rPr lang="en-US" dirty="0">
+                <a:sym typeface="Wingdings" panose="05000000000000000000" pitchFamily="2" charset="2"/>
+              </a:rPr>
+              <a:t>,</a:t>
+            </a:r>
+            <a:endParaRPr lang="en-IN" dirty="0">
+              <a:sym typeface="Wingdings" panose="05000000000000000000" pitchFamily="2" charset="2"/>
+            </a:endParaRPr>
+          </a:p>
+          <a:p>
+            <a:pPr marL="0" indent="0">
+              <a:buNone/>
+            </a:pPr>
+            <a:r>
               <a:rPr lang="en-IN" dirty="0"/>
-              <a:t>	-Creating  major classes and its functions (Country Class, GDP class, Reserves class, CPI class etc.)</a:t>
+              <a:t>                    - </a:t>
+            </a:r>
+            <a:r>
+              <a:rPr lang="en-US" dirty="0"/>
+              <a:t>Made Two Abstract Classes; one in Asset Indicator and other in Development Indicator packages.</a:t>
             </a:r>
           </a:p>
           <a:p>
@@ -7422,8 +7583,8 @@
               <a:buNone/>
             </a:pPr>
             <a:r>
-              <a:rPr lang="en-IN" dirty="0"/>
-              <a:t>	-Writing Documentation</a:t>
+              <a:rPr lang="en-US" dirty="0"/>
+              <a:t>                    - Made a Country Class by using Object Composition .</a:t>
             </a:r>
           </a:p>
           <a:p>
@@ -7431,53 +7592,241 @@
               <a:buNone/>
             </a:pPr>
             <a:r>
-              <a:rPr lang="en-IN" b="1" dirty="0"/>
-              <a:t>-&gt; </a:t>
-            </a:r>
-            <a:r>
-              <a:rPr lang="en-IN" dirty="0">
-                <a:latin typeface="Monotype Corsiva" panose="03010101010201010101" pitchFamily="66" charset="0"/>
-              </a:rPr>
-              <a:t>Rathod Harshan </a:t>
-            </a:r>
-            <a:r>
-              <a:rPr lang="en-IN" dirty="0"/>
-              <a:t>(S20210010189)</a:t>
-            </a:r>
-          </a:p>
-          <a:p>
-            <a:pPr marL="0" indent="0">
-              <a:buNone/>
-            </a:pPr>
-            <a:r>
-              <a:rPr lang="en-IN" dirty="0"/>
-              <a:t>	-Creating Reserves, Interest Rate, Development Class</a:t>
-            </a:r>
-          </a:p>
-          <a:p>
-            <a:pPr marL="0" indent="0">
-              <a:buNone/>
-            </a:pPr>
-            <a:r>
-              <a:rPr lang="en-IN" dirty="0"/>
-              <a:t>	-Writing Documentation</a:t>
-            </a:r>
-          </a:p>
-          <a:p>
-            <a:pPr marL="0" indent="0">
-              <a:buNone/>
-            </a:pPr>
-            <a:r>
-              <a:rPr lang="en-IN" dirty="0"/>
-              <a:t>	-Creating Diagrams and Presentation.</a:t>
-            </a:r>
+              <a:rPr lang="en-US" dirty="0"/>
+              <a:t>                    - Typecasting of a variable.</a:t>
+            </a:r>
+            <a:endParaRPr lang="en-IN" dirty="0"/>
           </a:p>
         </p:txBody>
       </p:sp>
     </p:spTree>
     <p:extLst>
       <p:ext uri="{BB962C8B-B14F-4D97-AF65-F5344CB8AC3E}">
-        <p14:creationId xmlns:p14="http://schemas.microsoft.com/office/powerpoint/2010/main" val="2980721176"/>
+        <p14:creationId xmlns:p14="http://schemas.microsoft.com/office/powerpoint/2010/main" val="2086225366"/>
+      </p:ext>
+    </p:extLst>
+  </p:cSld>
+  <p:clrMapOvr>
+    <a:masterClrMapping/>
+  </p:clrMapOvr>
+</p:sld>
+</file>
+
+<file path=ppt/slides/slide9.xml><?xml version="1.0" encoding="utf-8"?>
+<p:sld xmlns:a="http://schemas.openxmlformats.org/drawingml/2006/main" xmlns:r="http://schemas.openxmlformats.org/officeDocument/2006/relationships" xmlns:p="http://schemas.openxmlformats.org/presentationml/2006/main">
+  <p:cSld>
+    <p:spTree>
+      <p:nvGrpSpPr>
+        <p:cNvPr id="1" name=""/>
+        <p:cNvGrpSpPr/>
+        <p:nvPr/>
+      </p:nvGrpSpPr>
+      <p:grpSpPr>
+        <a:xfrm>
+          <a:off x="0" y="0"/>
+          <a:ext cx="0" cy="0"/>
+          <a:chOff x="0" y="0"/>
+          <a:chExt cx="0" cy="0"/>
+        </a:xfrm>
+      </p:grpSpPr>
+      <p:sp>
+        <p:nvSpPr>
+          <p:cNvPr id="2" name="TextBox 1">
+            <a:extLst>
+              <a:ext uri="{FF2B5EF4-FFF2-40B4-BE49-F238E27FC236}">
+                <a16:creationId xmlns:a16="http://schemas.microsoft.com/office/drawing/2014/main" id="{E6D721AD-D9F7-C2E7-7C60-1F57096FED3F}"/>
+              </a:ext>
+            </a:extLst>
+          </p:cNvPr>
+          <p:cNvSpPr txBox="1"/>
+          <p:nvPr/>
+        </p:nvSpPr>
+        <p:spPr>
+          <a:xfrm>
+            <a:off x="877078" y="1054359"/>
+            <a:ext cx="11159412" cy="4247317"/>
+          </a:xfrm>
+          <a:prstGeom prst="rect">
+            <a:avLst/>
+          </a:prstGeom>
+          <a:noFill/>
+        </p:spPr>
+        <p:txBody>
+          <a:bodyPr wrap="square" rtlCol="0">
+            <a:spAutoFit/>
+          </a:bodyPr>
+          <a:lstStyle/>
+          <a:p>
+            <a:pPr marL="0" indent="0">
+              <a:buNone/>
+            </a:pPr>
+            <a:r>
+              <a:rPr lang="en-IN" b="1" dirty="0">
+                <a:latin typeface="Bahnschrift Light" panose="020B0502040204020203" pitchFamily="34" charset="0"/>
+              </a:rPr>
+              <a:t>5)Rathod Harshan </a:t>
+            </a:r>
+            <a:r>
+              <a:rPr lang="en-IN" dirty="0"/>
+              <a:t>(S20210010189)</a:t>
+            </a:r>
+          </a:p>
+          <a:p>
+            <a:pPr marL="0" indent="0">
+              <a:buNone/>
+            </a:pPr>
+            <a:endParaRPr lang="en-IN" dirty="0"/>
+          </a:p>
+          <a:p>
+            <a:pPr marL="0" indent="0">
+              <a:buNone/>
+            </a:pPr>
+            <a:r>
+              <a:rPr lang="en-IN" dirty="0">
+                <a:sym typeface="Wingdings" panose="05000000000000000000" pitchFamily="2" charset="2"/>
+              </a:rPr>
+              <a:t></a:t>
+            </a:r>
+            <a:r>
+              <a:rPr lang="en-IN" dirty="0">
+                <a:latin typeface="Microsoft YaHei UI Light" panose="020B0502040204020203" pitchFamily="34" charset="-122"/>
+                <a:ea typeface="Microsoft YaHei UI Light" panose="020B0502040204020203" pitchFamily="34" charset="-122"/>
+              </a:rPr>
+              <a:t>Cleaning CSV,</a:t>
+            </a:r>
+          </a:p>
+          <a:p>
+            <a:pPr marL="0" indent="0">
+              <a:buNone/>
+            </a:pPr>
+            <a:r>
+              <a:rPr lang="en-IN" dirty="0"/>
+              <a:t>                   - The CSV files downloaded from world bank website contains lots of unnecessary data, removing them is a</a:t>
+            </a:r>
+          </a:p>
+          <a:p>
+            <a:pPr marL="0" indent="0">
+              <a:buNone/>
+            </a:pPr>
+            <a:r>
+              <a:rPr lang="en-IN" dirty="0"/>
+              <a:t>                      very important step for proper database implementation.</a:t>
+            </a:r>
+          </a:p>
+          <a:p>
+            <a:pPr marL="0" indent="0">
+              <a:buNone/>
+            </a:pPr>
+            <a:endParaRPr lang="en-IN" dirty="0"/>
+          </a:p>
+          <a:p>
+            <a:pPr marL="0" indent="0">
+              <a:buNone/>
+            </a:pPr>
+            <a:r>
+              <a:rPr lang="en-IN" dirty="0">
+                <a:sym typeface="Wingdings" panose="05000000000000000000" pitchFamily="2" charset="2"/>
+              </a:rPr>
+              <a:t></a:t>
+            </a:r>
+            <a:r>
+              <a:rPr lang="en-IN" dirty="0">
+                <a:latin typeface="Microsoft YaHei UI Light" panose="020B0502040204020203" pitchFamily="34" charset="-122"/>
+                <a:ea typeface="Microsoft YaHei UI Light" panose="020B0502040204020203" pitchFamily="34" charset="-122"/>
+              </a:rPr>
+              <a:t>Assets Indicator, </a:t>
+            </a:r>
+          </a:p>
+          <a:p>
+            <a:pPr marL="0" indent="0">
+              <a:buNone/>
+            </a:pPr>
+            <a:r>
+              <a:rPr lang="en-IN" dirty="0"/>
+              <a:t>                     - I wrote the code of Assets Indicator package that holds data with long values and I helped in writing its</a:t>
+            </a:r>
+          </a:p>
+          <a:p>
+            <a:pPr marL="0" indent="0">
+              <a:buNone/>
+            </a:pPr>
+            <a:r>
+              <a:rPr lang="en-IN" dirty="0"/>
+              <a:t>                       respective functions.</a:t>
+            </a:r>
+          </a:p>
+          <a:p>
+            <a:pPr marL="0" indent="0">
+              <a:buNone/>
+            </a:pPr>
+            <a:endParaRPr lang="en-IN" dirty="0"/>
+          </a:p>
+          <a:p>
+            <a:pPr marL="0" indent="0">
+              <a:buNone/>
+            </a:pPr>
+            <a:r>
+              <a:rPr lang="en-IN" dirty="0">
+                <a:sym typeface="Wingdings" panose="05000000000000000000" pitchFamily="2" charset="2"/>
+              </a:rPr>
+              <a:t></a:t>
+            </a:r>
+            <a:r>
+              <a:rPr lang="en-IN" dirty="0">
+                <a:latin typeface="Microsoft YaHei UI Light" panose="020B0502040204020203" pitchFamily="34" charset="-122"/>
+                <a:ea typeface="Microsoft YaHei UI Light" panose="020B0502040204020203" pitchFamily="34" charset="-122"/>
+              </a:rPr>
+              <a:t>Deletion From Database, </a:t>
+            </a:r>
+          </a:p>
+          <a:p>
+            <a:pPr marL="0" indent="0">
+              <a:buNone/>
+            </a:pPr>
+            <a:r>
+              <a:rPr lang="en-IN" dirty="0"/>
+              <a:t>                     - Made a delete function to implement JDBC which can delete records, tables, and databases.</a:t>
+            </a:r>
+          </a:p>
+          <a:p>
+            <a:pPr marL="0" indent="0">
+              <a:buNone/>
+            </a:pPr>
+            <a:endParaRPr lang="en-IN" dirty="0"/>
+          </a:p>
+          <a:p>
+            <a:pPr marL="0" indent="0">
+              <a:buNone/>
+            </a:pPr>
+            <a:r>
+              <a:rPr lang="en-IN" dirty="0">
+                <a:sym typeface="Wingdings" panose="05000000000000000000" pitchFamily="2" charset="2"/>
+              </a:rPr>
+              <a:t></a:t>
+            </a:r>
+            <a:r>
+              <a:rPr lang="en-IN" dirty="0">
+                <a:latin typeface="Microsoft YaHei UI Light" panose="020B0502040204020203" pitchFamily="34" charset="-122"/>
+                <a:ea typeface="Microsoft YaHei UI Light" panose="020B0502040204020203" pitchFamily="34" charset="-122"/>
+              </a:rPr>
+              <a:t>Presentation Preparation,</a:t>
+            </a:r>
+          </a:p>
+          <a:p>
+            <a:pPr marL="0" indent="0">
+              <a:buNone/>
+            </a:pPr>
+            <a:r>
+              <a:rPr lang="en-IN" dirty="0"/>
+              <a:t>                     - I made the presentation with all the flowcharts for better understanding for the user.</a:t>
+            </a:r>
+          </a:p>
+        </p:txBody>
+      </p:sp>
+    </p:spTree>
+    <p:extLst>
+      <p:ext uri="{BB962C8B-B14F-4D97-AF65-F5344CB8AC3E}">
+        <p14:creationId xmlns:p14="http://schemas.microsoft.com/office/powerpoint/2010/main" val="3152807864"/>
       </p:ext>
     </p:extLst>
   </p:cSld>

--- a/out/production/ECONOMY-DATA-VISUALIZATION-PROJECT/Presentation/Economy_Data_Visualizaton_Presentation.pptx
+++ b/out/production/ECONOMY-DATA-VISUALIZATION-PROJECT/Presentation/Economy_Data_Visualizaton_Presentation.pptx
@@ -640,7 +640,7 @@
             <a:fld id="{B61BEF0D-F0BB-DE4B-95CE-6DB70DBA9567}" type="datetimeFigureOut">
               <a:rPr lang="en-US" smtClean="0"/>
               <a:pPr/>
-              <a:t>11/23/2022</a:t>
+              <a:t>11/24/2022</a:t>
             </a:fld>
             <a:endParaRPr lang="en-US" dirty="0"/>
           </a:p>
@@ -976,7 +976,7 @@
             <a:fld id="{B61BEF0D-F0BB-DE4B-95CE-6DB70DBA9567}" type="datetimeFigureOut">
               <a:rPr lang="en-US" smtClean="0"/>
               <a:pPr/>
-              <a:t>11/23/2022</a:t>
+              <a:t>11/24/2022</a:t>
             </a:fld>
             <a:endParaRPr lang="en-US" dirty="0"/>
           </a:p>
@@ -1256,7 +1256,7 @@
             <a:fld id="{B61BEF0D-F0BB-DE4B-95CE-6DB70DBA9567}" type="datetimeFigureOut">
               <a:rPr lang="en-US" smtClean="0"/>
               <a:pPr/>
-              <a:t>11/23/2022</a:t>
+              <a:t>11/24/2022</a:t>
             </a:fld>
             <a:endParaRPr lang="en-US" dirty="0"/>
           </a:p>
@@ -1826,7 +1826,7 @@
             <a:fld id="{B61BEF0D-F0BB-DE4B-95CE-6DB70DBA9567}" type="datetimeFigureOut">
               <a:rPr lang="en-US" smtClean="0"/>
               <a:pPr/>
-              <a:t>11/23/2022</a:t>
+              <a:t>11/24/2022</a:t>
             </a:fld>
             <a:endParaRPr lang="en-US" dirty="0"/>
           </a:p>
@@ -2106,7 +2106,7 @@
             <a:fld id="{B61BEF0D-F0BB-DE4B-95CE-6DB70DBA9567}" type="datetimeFigureOut">
               <a:rPr lang="en-US" smtClean="0"/>
               <a:pPr/>
-              <a:t>11/23/2022</a:t>
+              <a:t>11/24/2022</a:t>
             </a:fld>
             <a:endParaRPr lang="en-US" dirty="0"/>
           </a:p>
@@ -2670,7 +2670,7 @@
             <a:fld id="{B61BEF0D-F0BB-DE4B-95CE-6DB70DBA9567}" type="datetimeFigureOut">
               <a:rPr lang="en-US" smtClean="0"/>
               <a:pPr/>
-              <a:t>11/23/2022</a:t>
+              <a:t>11/24/2022</a:t>
             </a:fld>
             <a:endParaRPr lang="en-US" dirty="0"/>
           </a:p>
@@ -2999,7 +2999,7 @@
             <a:fld id="{B61BEF0D-F0BB-DE4B-95CE-6DB70DBA9567}" type="datetimeFigureOut">
               <a:rPr lang="en-US" smtClean="0"/>
               <a:pPr/>
-              <a:t>11/23/2022</a:t>
+              <a:t>11/24/2022</a:t>
             </a:fld>
             <a:endParaRPr lang="en-US" dirty="0"/>
           </a:p>
@@ -3206,7 +3206,7 @@
             <a:fld id="{B61BEF0D-F0BB-DE4B-95CE-6DB70DBA9567}" type="datetimeFigureOut">
               <a:rPr lang="en-US" smtClean="0"/>
               <a:pPr/>
-              <a:t>11/23/2022</a:t>
+              <a:t>11/24/2022</a:t>
             </a:fld>
             <a:endParaRPr lang="en-US" dirty="0"/>
           </a:p>
@@ -3418,7 +3418,7 @@
             <a:fld id="{B61BEF0D-F0BB-DE4B-95CE-6DB70DBA9567}" type="datetimeFigureOut">
               <a:rPr lang="en-US" smtClean="0"/>
               <a:pPr/>
-              <a:t>11/23/2022</a:t>
+              <a:t>11/24/2022</a:t>
             </a:fld>
             <a:endParaRPr lang="en-US" dirty="0"/>
           </a:p>
@@ -3620,7 +3620,7 @@
             <a:fld id="{B61BEF0D-F0BB-DE4B-95CE-6DB70DBA9567}" type="datetimeFigureOut">
               <a:rPr lang="en-US" smtClean="0"/>
               <a:pPr/>
-              <a:t>11/23/2022</a:t>
+              <a:t>11/24/2022</a:t>
             </a:fld>
             <a:endParaRPr lang="en-US" dirty="0"/>
           </a:p>
@@ -3898,7 +3898,7 @@
             <a:fld id="{B61BEF0D-F0BB-DE4B-95CE-6DB70DBA9567}" type="datetimeFigureOut">
               <a:rPr lang="en-US" smtClean="0"/>
               <a:pPr/>
-              <a:t>11/23/2022</a:t>
+              <a:t>11/24/2022</a:t>
             </a:fld>
             <a:endParaRPr lang="en-US" dirty="0"/>
           </a:p>
@@ -4166,7 +4166,7 @@
             <a:fld id="{B61BEF0D-F0BB-DE4B-95CE-6DB70DBA9567}" type="datetimeFigureOut">
               <a:rPr lang="en-US" smtClean="0"/>
               <a:pPr/>
-              <a:t>11/23/2022</a:t>
+              <a:t>11/24/2022</a:t>
             </a:fld>
             <a:endParaRPr lang="en-US" dirty="0"/>
           </a:p>
@@ -4542,7 +4542,7 @@
             <a:fld id="{B61BEF0D-F0BB-DE4B-95CE-6DB70DBA9567}" type="datetimeFigureOut">
               <a:rPr lang="en-US" smtClean="0"/>
               <a:pPr/>
-              <a:t>11/23/2022</a:t>
+              <a:t>11/24/2022</a:t>
             </a:fld>
             <a:endParaRPr lang="en-US" dirty="0"/>
           </a:p>
@@ -4692,7 +4692,7 @@
             <a:fld id="{B61BEF0D-F0BB-DE4B-95CE-6DB70DBA9567}" type="datetimeFigureOut">
               <a:rPr lang="en-US" smtClean="0"/>
               <a:pPr/>
-              <a:t>11/23/2022</a:t>
+              <a:t>11/24/2022</a:t>
             </a:fld>
             <a:endParaRPr lang="en-US" dirty="0"/>
           </a:p>
@@ -4819,7 +4819,7 @@
             <a:fld id="{B61BEF0D-F0BB-DE4B-95CE-6DB70DBA9567}" type="datetimeFigureOut">
               <a:rPr lang="en-US" smtClean="0"/>
               <a:pPr/>
-              <a:t>11/23/2022</a:t>
+              <a:t>11/24/2022</a:t>
             </a:fld>
             <a:endParaRPr lang="en-US" dirty="0"/>
           </a:p>
@@ -5106,7 +5106,7 @@
             <a:fld id="{B61BEF0D-F0BB-DE4B-95CE-6DB70DBA9567}" type="datetimeFigureOut">
               <a:rPr lang="en-US" smtClean="0"/>
               <a:pPr/>
-              <a:t>11/23/2022</a:t>
+              <a:t>11/24/2022</a:t>
             </a:fld>
             <a:endParaRPr lang="en-US" dirty="0"/>
           </a:p>
@@ -5432,7 +5432,7 @@
             <a:fld id="{B61BEF0D-F0BB-DE4B-95CE-6DB70DBA9567}" type="datetimeFigureOut">
               <a:rPr lang="en-US" smtClean="0"/>
               <a:pPr/>
-              <a:t>11/23/2022</a:t>
+              <a:t>11/24/2022</a:t>
             </a:fld>
             <a:endParaRPr lang="en-US" dirty="0"/>
           </a:p>
@@ -5648,7 +5648,7 @@
             <a:fld id="{B61BEF0D-F0BB-DE4B-95CE-6DB70DBA9567}" type="datetimeFigureOut">
               <a:rPr lang="en-US" smtClean="0"/>
               <a:pPr/>
-              <a:t>11/23/2022</a:t>
+              <a:t>11/24/2022</a:t>
             </a:fld>
             <a:endParaRPr lang="en-US" dirty="0"/>
           </a:p>
@@ -7019,7 +7019,7 @@
         <p:spPr>
           <a:xfrm>
             <a:off x="359814" y="693831"/>
-            <a:ext cx="10692881" cy="3139321"/>
+            <a:ext cx="10692881" cy="4308872"/>
           </a:xfrm>
           <a:prstGeom prst="rect">
             <a:avLst/>
@@ -7142,6 +7142,46 @@
               <a:rPr lang="en-US" dirty="0"/>
               <a:t>Solution of above problem using Generic classes(Wildcards).</a:t>
             </a:r>
+          </a:p>
+          <a:p>
+            <a:pPr marL="0" indent="0">
+              <a:buNone/>
+            </a:pPr>
+            <a:endParaRPr lang="en-US" dirty="0">
+              <a:sym typeface="Wingdings" panose="05000000000000000000" pitchFamily="2" charset="2"/>
+            </a:endParaRPr>
+          </a:p>
+          <a:p>
+            <a:pPr marL="285750" indent="-285750">
+              <a:buFont typeface="Wingdings" panose="05000000000000000000" pitchFamily="2" charset="2"/>
+              <a:buChar char="à"/>
+            </a:pPr>
+            <a:r>
+              <a:rPr lang="en-US" sz="2000" dirty="0">
+                <a:sym typeface="Wingdings" panose="05000000000000000000" pitchFamily="2" charset="2"/>
+              </a:rPr>
+              <a:t>Schema Structuring,</a:t>
+            </a:r>
+          </a:p>
+          <a:p>
+            <a:r>
+              <a:rPr lang="en-US" sz="2000" dirty="0">
+                <a:sym typeface="Wingdings" panose="05000000000000000000" pitchFamily="2" charset="2"/>
+              </a:rPr>
+              <a:t>               -</a:t>
+            </a:r>
+            <a:r>
+              <a:rPr lang="en-US" dirty="0">
+                <a:sym typeface="Wingdings" panose="05000000000000000000" pitchFamily="2" charset="2"/>
+              </a:rPr>
+              <a:t>Helped in designing the Schema (Pillars of OOPS part).</a:t>
+            </a:r>
+            <a:endParaRPr lang="en-US" sz="2000" dirty="0"/>
+          </a:p>
+          <a:p>
+            <a:pPr marL="0" indent="0">
+              <a:buNone/>
+            </a:pPr>
             <a:endParaRPr lang="en-IN" dirty="0"/>
           </a:p>
         </p:txBody>
